--- a/Proposal_for_the_restaurant_ordering_amalgamation_system.pptx
+++ b/Proposal_for_the_restaurant_ordering_amalgamation_system.pptx
@@ -217,7 +217,7 @@
           <a:effectLst/>
           <a:extLst>
             <a:ext uri="{91240B29-F687-4f45-9708-019B960494DF}">
-              <a14:hiddenLine xmlns="" xmlns:a14="http://schemas.microsoft.com/office/drawing/2010/main" w="9525">
+              <a14:hiddenLine xmlns:a14="http://schemas.microsoft.com/office/drawing/2010/main" xmlns="" w="9525">
                 <a:solidFill>
                   <a:srgbClr val="000000"/>
                 </a:solidFill>
@@ -410,7 +410,7 @@
             <a:fld id="{08B9EBBA-996F-894A-B54A-D6246ED52CEA}" type="datetimeFigureOut">
               <a:rPr lang="en-US" dirty="0"/>
               <a:pPr/>
-              <a:t>2/20/2019</a:t>
+              <a:t>2/21/2019</a:t>
             </a:fld>
             <a:endParaRPr lang="en-US" dirty="0"/>
           </a:p>
@@ -725,7 +725,7 @@
             <a:fld id="{18C79C5D-2A6F-F04D-97DA-BEF2467B64E4}" type="datetimeFigureOut">
               <a:rPr lang="en-US" dirty="0"/>
               <a:pPr/>
-              <a:t>2/20/2019</a:t>
+              <a:t>2/21/2019</a:t>
             </a:fld>
             <a:endParaRPr lang="en-US" dirty="0"/>
           </a:p>
@@ -1210,7 +1210,7 @@
             <a:fld id="{8DFA1846-DA80-1C48-A609-854EA85C59AD}" type="datetimeFigureOut">
               <a:rPr lang="en-US" dirty="0"/>
               <a:pPr/>
-              <a:t>2/20/2019</a:t>
+              <a:t>2/21/2019</a:t>
             </a:fld>
             <a:endParaRPr lang="en-US" dirty="0"/>
           </a:p>
@@ -1576,7 +1576,7 @@
             <a:fld id="{FBF54567-0DE4-3F47-BF90-CB84690072F9}" type="datetimeFigureOut">
               <a:rPr lang="en-US" dirty="0"/>
               <a:pPr/>
-              <a:t>2/20/2019</a:t>
+              <a:t>2/21/2019</a:t>
             </a:fld>
             <a:endParaRPr lang="en-US" dirty="0"/>
           </a:p>
@@ -1727,7 +1727,7 @@
           <a:ln/>
           <a:extLst>
             <a:ext uri="{91240B29-F687-4f45-9708-019B960494DF}">
-              <a14:hiddenLine xmlns="" xmlns:a14="http://schemas.microsoft.com/office/drawing/2010/main" w="9525">
+              <a14:hiddenLine xmlns:a14="http://schemas.microsoft.com/office/drawing/2010/main" xmlns="" w="9525">
                 <a:solidFill>
                   <a:srgbClr val="000000"/>
                 </a:solidFill>
@@ -1846,7 +1846,7 @@
             <a:fld id="{C6C52C72-DE31-F449-A4ED-4C594FD91407}" type="datetimeFigureOut">
               <a:rPr lang="en-US" dirty="0"/>
               <a:pPr/>
-              <a:t>2/20/2019</a:t>
+              <a:t>2/21/2019</a:t>
             </a:fld>
             <a:endParaRPr lang="en-US" dirty="0"/>
           </a:p>
@@ -1999,7 +1999,7 @@
           <a:ln/>
           <a:extLst>
             <a:ext uri="{91240B29-F687-4f45-9708-019B960494DF}">
-              <a14:hiddenLine xmlns="" xmlns:a14="http://schemas.microsoft.com/office/drawing/2010/main" w="9525">
+              <a14:hiddenLine xmlns:a14="http://schemas.microsoft.com/office/drawing/2010/main" xmlns="" w="9525">
                 <a:solidFill>
                   <a:srgbClr val="000000"/>
                 </a:solidFill>
@@ -2128,7 +2128,7 @@
             <a:fld id="{ED62726E-379B-B349-9EED-81ED093FA806}" type="datetimeFigureOut">
               <a:rPr lang="en-US" dirty="0"/>
               <a:pPr/>
-              <a:t>2/20/2019</a:t>
+              <a:t>2/21/2019</a:t>
             </a:fld>
             <a:endParaRPr lang="en-US" dirty="0"/>
           </a:p>
@@ -2279,7 +2279,7 @@
           <a:ln/>
           <a:extLst>
             <a:ext uri="{91240B29-F687-4f45-9708-019B960494DF}">
-              <a14:hiddenLine xmlns="" xmlns:a14="http://schemas.microsoft.com/office/drawing/2010/main" w="9525">
+              <a14:hiddenLine xmlns:a14="http://schemas.microsoft.com/office/drawing/2010/main" xmlns="" w="9525">
                 <a:solidFill>
                   <a:srgbClr val="000000"/>
                 </a:solidFill>
@@ -2408,7 +2408,7 @@
             <a:fld id="{9B3A1323-8D79-1946-B0D7-40001CF92E9D}" type="datetimeFigureOut">
               <a:rPr lang="en-US" dirty="0"/>
               <a:pPr/>
-              <a:t>2/20/2019</a:t>
+              <a:t>2/21/2019</a:t>
             </a:fld>
             <a:endParaRPr lang="en-US" dirty="0"/>
           </a:p>
@@ -2748,7 +2748,7 @@
             <a:fld id="{8DFA1846-DA80-1C48-A609-854EA85C59AD}" type="datetimeFigureOut">
               <a:rPr lang="en-US" dirty="0"/>
               <a:pPr/>
-              <a:t>2/20/2019</a:t>
+              <a:t>2/21/2019</a:t>
             </a:fld>
             <a:endParaRPr lang="en-US" dirty="0"/>
           </a:p>
@@ -2899,7 +2899,7 @@
           <a:ln/>
           <a:extLst>
             <a:ext uri="{91240B29-F687-4f45-9708-019B960494DF}">
-              <a14:hiddenLine xmlns="" xmlns:a14="http://schemas.microsoft.com/office/drawing/2010/main" w="9525">
+              <a14:hiddenLine xmlns:a14="http://schemas.microsoft.com/office/drawing/2010/main" xmlns="" w="9525">
                 <a:solidFill>
                   <a:srgbClr val="000000"/>
                 </a:solidFill>
@@ -3084,7 +3084,7 @@
             <a:fld id="{57302355-E14B-8545-A8F8-0FE83CC9D524}" type="datetimeFigureOut">
               <a:rPr lang="en-US" dirty="0"/>
               <a:pPr/>
-              <a:t>2/20/2019</a:t>
+              <a:t>2/21/2019</a:t>
             </a:fld>
             <a:endParaRPr lang="en-US" dirty="0"/>
           </a:p>
@@ -3235,7 +3235,7 @@
           <a:ln/>
           <a:extLst>
             <a:ext uri="{91240B29-F687-4f45-9708-019B960494DF}">
-              <a14:hiddenLine xmlns="" xmlns:a14="http://schemas.microsoft.com/office/drawing/2010/main" w="9525">
+              <a14:hiddenLine xmlns:a14="http://schemas.microsoft.com/office/drawing/2010/main" xmlns="" w="9525">
                 <a:solidFill>
                   <a:srgbClr val="000000"/>
                 </a:solidFill>
@@ -3558,7 +3558,7 @@
             <a:fld id="{02640F58-564D-2B4F-AE67-E407BA4FCF45}" type="datetimeFigureOut">
               <a:rPr lang="en-US" dirty="0"/>
               <a:pPr/>
-              <a:t>2/20/2019</a:t>
+              <a:t>2/21/2019</a:t>
             </a:fld>
             <a:endParaRPr lang="en-US" dirty="0"/>
           </a:p>
@@ -3709,7 +3709,7 @@
           <a:ln/>
           <a:extLst>
             <a:ext uri="{91240B29-F687-4f45-9708-019B960494DF}">
-              <a14:hiddenLine xmlns="" xmlns:a14="http://schemas.microsoft.com/office/drawing/2010/main" w="9525">
+              <a14:hiddenLine xmlns:a14="http://schemas.microsoft.com/office/drawing/2010/main" xmlns="" w="9525">
                 <a:solidFill>
                   <a:srgbClr val="000000"/>
                 </a:solidFill>
@@ -3776,7 +3776,7 @@
             <a:fld id="{F13A34C8-038E-2045-AF43-DF7DBB8E0E9E}" type="datetimeFigureOut">
               <a:rPr lang="en-US" dirty="0"/>
               <a:pPr/>
-              <a:t>2/20/2019</a:t>
+              <a:t>2/21/2019</a:t>
             </a:fld>
             <a:endParaRPr lang="en-US" dirty="0"/>
           </a:p>
@@ -3868,7 +3868,7 @@
             <a:fld id="{8818C68F-D26B-8F47-958C-23B49CF8A634}" type="datetimeFigureOut">
               <a:rPr lang="en-US" dirty="0"/>
               <a:pPr/>
-              <a:t>2/20/2019</a:t>
+              <a:t>2/21/2019</a:t>
             </a:fld>
             <a:endParaRPr lang="en-US" dirty="0"/>
           </a:p>
@@ -4132,7 +4132,7 @@
           <a:ln/>
           <a:extLst>
             <a:ext uri="{91240B29-F687-4f45-9708-019B960494DF}">
-              <a14:hiddenLine xmlns="" xmlns:a14="http://schemas.microsoft.com/office/drawing/2010/main" w="9525">
+              <a14:hiddenLine xmlns:a14="http://schemas.microsoft.com/office/drawing/2010/main" xmlns="" w="9525">
                 <a:solidFill>
                   <a:srgbClr val="000000"/>
                 </a:solidFill>
@@ -4332,7 +4332,7 @@
             <a:fld id="{D0DF5E60-9974-AC48-9591-99C2BB44B7CF}" type="datetimeFigureOut">
               <a:rPr lang="en-US" dirty="0"/>
               <a:pPr/>
-              <a:t>2/20/2019</a:t>
+              <a:t>2/21/2019</a:t>
             </a:fld>
             <a:endParaRPr lang="en-US" dirty="0"/>
           </a:p>
@@ -4642,7 +4642,7 @@
             <a:fld id="{18C79C5D-2A6F-F04D-97DA-BEF2467B64E4}" type="datetimeFigureOut">
               <a:rPr lang="en-US" dirty="0"/>
               <a:pPr/>
-              <a:t>2/20/2019</a:t>
+              <a:t>2/21/2019</a:t>
             </a:fld>
             <a:endParaRPr lang="en-US" dirty="0"/>
           </a:p>
@@ -4909,7 +4909,7 @@
             <a:fld id="{09B482E8-6E0E-1B4F-B1FD-C69DB9E858D9}" type="datetimeFigureOut">
               <a:rPr lang="en-US" dirty="0"/>
               <a:pPr/>
-              <a:t>2/20/2019</a:t>
+              <a:t>2/21/2019</a:t>
             </a:fld>
             <a:endParaRPr lang="en-US" dirty="0"/>
           </a:p>
@@ -6345,6 +6345,1637 @@
           </a:p>
         </p:txBody>
       </p:sp>
+      <p:graphicFrame>
+        <p:nvGraphicFramePr>
+          <p:cNvPr id="4" name="Content Placeholder 3"/>
+          <p:cNvGraphicFramePr>
+            <a:graphicFrameLocks/>
+          </p:cNvGraphicFramePr>
+          <p:nvPr>
+            <p:extLst>
+              <p:ext uri="{D42A27DB-BD31-4B8C-83A1-F6EECF244321}">
+                <p14:modId xmlns:p14="http://schemas.microsoft.com/office/powerpoint/2010/main" val="2627197427"/>
+              </p:ext>
+            </p:extLst>
+          </p:nvPr>
+        </p:nvGraphicFramePr>
+        <p:xfrm>
+          <a:off x="1021968" y="1327742"/>
+          <a:ext cx="10148064" cy="5375931"/>
+        </p:xfrm>
+        <a:graphic>
+          <a:graphicData uri="http://schemas.openxmlformats.org/drawingml/2006/table">
+            <a:tbl>
+              <a:tblPr firstRow="1" firstCol="1" bandRow="1">
+                <a:tableStyleId>{5C22544A-7EE6-4342-B048-85BDC9FD1C3A}</a:tableStyleId>
+              </a:tblPr>
+              <a:tblGrid>
+                <a:gridCol w="2102914">
+                  <a:extLst>
+                    <a:ext uri="{9D8B030D-6E8A-4147-A177-3AD203B41FA5}">
+                      <a16:colId xmlns:a16="http://schemas.microsoft.com/office/drawing/2014/main" val="899141496"/>
+                    </a:ext>
+                  </a:extLst>
+                </a:gridCol>
+                <a:gridCol w="6572966">
+                  <a:extLst>
+                    <a:ext uri="{9D8B030D-6E8A-4147-A177-3AD203B41FA5}">
+                      <a16:colId xmlns:a16="http://schemas.microsoft.com/office/drawing/2014/main" val="444392177"/>
+                    </a:ext>
+                  </a:extLst>
+                </a:gridCol>
+                <a:gridCol w="1472184">
+                  <a:extLst>
+                    <a:ext uri="{9D8B030D-6E8A-4147-A177-3AD203B41FA5}">
+                      <a16:colId xmlns:a16="http://schemas.microsoft.com/office/drawing/2014/main" val="1951957578"/>
+                    </a:ext>
+                  </a:extLst>
+                </a:gridCol>
+              </a:tblGrid>
+              <a:tr h="474640">
+                <a:tc>
+                  <a:txBody>
+                    <a:bodyPr/>
+                    <a:lstStyle/>
+                    <a:p>
+                      <a:pPr algn="l">
+                        <a:lnSpc>
+                          <a:spcPct val="115000"/>
+                        </a:lnSpc>
+                        <a:spcAft>
+                          <a:spcPts val="0"/>
+                        </a:spcAft>
+                      </a:pPr>
+                      <a:r>
+                        <a:rPr lang="en-GB" sz="1400" b="1" dirty="0">
+                          <a:effectLst/>
+                          <a:latin typeface="Arial" panose="020B0604020202020204" pitchFamily="34" charset="0"/>
+                          <a:ea typeface="Times New Roman" panose="02020603050405020304" pitchFamily="18" charset="0"/>
+                          <a:cs typeface="Arial" panose="020B0604020202020204" pitchFamily="34" charset="0"/>
+                        </a:rPr>
+                        <a:t>Project Steps</a:t>
+                      </a:r>
+                      <a:endParaRPr lang="en-ZA" sz="1100" dirty="0">
+                        <a:effectLst/>
+                        <a:latin typeface="Arial" panose="020B0604020202020204" pitchFamily="34" charset="0"/>
+                        <a:ea typeface="Times New Roman" panose="02020603050405020304" pitchFamily="18" charset="0"/>
+                        <a:cs typeface="Arial" panose="020B0604020202020204" pitchFamily="34" charset="0"/>
+                      </a:endParaRPr>
+                    </a:p>
+                  </a:txBody>
+                  <a:tcPr marL="68580" marR="68580" marT="0" marB="0">
+                    <a:lnL w="12700" cap="flat" cmpd="sng" algn="ctr">
+                      <a:solidFill>
+                        <a:schemeClr val="tx1"/>
+                      </a:solidFill>
+                      <a:prstDash val="solid"/>
+                      <a:round/>
+                      <a:headEnd type="none" w="med" len="med"/>
+                      <a:tailEnd type="none" w="med" len="med"/>
+                    </a:lnL>
+                    <a:lnT w="12700" cap="flat" cmpd="sng" algn="ctr">
+                      <a:solidFill>
+                        <a:schemeClr val="tx1"/>
+                      </a:solidFill>
+                      <a:prstDash val="solid"/>
+                      <a:round/>
+                      <a:headEnd type="none" w="med" len="med"/>
+                      <a:tailEnd type="none" w="med" len="med"/>
+                    </a:lnT>
+                  </a:tcPr>
+                </a:tc>
+                <a:tc>
+                  <a:txBody>
+                    <a:bodyPr/>
+                    <a:lstStyle/>
+                    <a:p>
+                      <a:pPr algn="ctr">
+                        <a:lnSpc>
+                          <a:spcPct val="115000"/>
+                        </a:lnSpc>
+                        <a:spcAft>
+                          <a:spcPts val="0"/>
+                        </a:spcAft>
+                      </a:pPr>
+                      <a:r>
+                        <a:rPr lang="en-GB" sz="1400" b="1" dirty="0">
+                          <a:effectLst/>
+                          <a:latin typeface="Arial" panose="020B0604020202020204" pitchFamily="34" charset="0"/>
+                          <a:ea typeface="Times New Roman" panose="02020603050405020304" pitchFamily="18" charset="0"/>
+                          <a:cs typeface="Arial" panose="020B0604020202020204" pitchFamily="34" charset="0"/>
+                        </a:rPr>
+                        <a:t>Steps Implemented</a:t>
+                      </a:r>
+                      <a:endParaRPr lang="en-ZA" sz="1100" dirty="0">
+                        <a:effectLst/>
+                        <a:latin typeface="Arial" panose="020B0604020202020204" pitchFamily="34" charset="0"/>
+                        <a:ea typeface="Times New Roman" panose="02020603050405020304" pitchFamily="18" charset="0"/>
+                        <a:cs typeface="Arial" panose="020B0604020202020204" pitchFamily="34" charset="0"/>
+                      </a:endParaRPr>
+                    </a:p>
+                    <a:p>
+                      <a:pPr algn="ctr">
+                        <a:lnSpc>
+                          <a:spcPct val="115000"/>
+                        </a:lnSpc>
+                        <a:spcAft>
+                          <a:spcPts val="0"/>
+                        </a:spcAft>
+                      </a:pPr>
+                      <a:r>
+                        <a:rPr lang="en-GB" sz="1400" b="1" dirty="0">
+                          <a:effectLst/>
+                          <a:latin typeface="Arial" panose="020B0604020202020204" pitchFamily="34" charset="0"/>
+                          <a:ea typeface="Times New Roman" panose="02020603050405020304" pitchFamily="18" charset="0"/>
+                          <a:cs typeface="Arial" panose="020B0604020202020204" pitchFamily="34" charset="0"/>
+                        </a:rPr>
+                        <a:t> </a:t>
+                      </a:r>
+                      <a:endParaRPr lang="en-ZA" sz="1100" dirty="0">
+                        <a:effectLst/>
+                        <a:latin typeface="Arial" panose="020B0604020202020204" pitchFamily="34" charset="0"/>
+                        <a:ea typeface="Times New Roman" panose="02020603050405020304" pitchFamily="18" charset="0"/>
+                        <a:cs typeface="Arial" panose="020B0604020202020204" pitchFamily="34" charset="0"/>
+                      </a:endParaRPr>
+                    </a:p>
+                  </a:txBody>
+                  <a:tcPr marL="68580" marR="68580" marT="0" marB="0">
+                    <a:lnT w="12700" cap="flat" cmpd="sng" algn="ctr">
+                      <a:solidFill>
+                        <a:schemeClr val="tx1"/>
+                      </a:solidFill>
+                      <a:prstDash val="solid"/>
+                      <a:round/>
+                      <a:headEnd type="none" w="med" len="med"/>
+                      <a:tailEnd type="none" w="med" len="med"/>
+                    </a:lnT>
+                  </a:tcPr>
+                </a:tc>
+                <a:tc>
+                  <a:txBody>
+                    <a:bodyPr/>
+                    <a:lstStyle/>
+                    <a:p>
+                      <a:pPr algn="ctr">
+                        <a:lnSpc>
+                          <a:spcPct val="110000"/>
+                        </a:lnSpc>
+                        <a:spcAft>
+                          <a:spcPts val="0"/>
+                        </a:spcAft>
+                      </a:pPr>
+                      <a:r>
+                        <a:rPr lang="en-GB" sz="1400" b="1">
+                          <a:effectLst/>
+                          <a:latin typeface="Arial" panose="020B0604020202020204" pitchFamily="34" charset="0"/>
+                          <a:ea typeface="Times New Roman" panose="02020603050405020304" pitchFamily="18" charset="0"/>
+                          <a:cs typeface="Arial" panose="020B0604020202020204" pitchFamily="34" charset="0"/>
+                        </a:rPr>
+                        <a:t>Proposed date</a:t>
+                      </a:r>
+                      <a:endParaRPr lang="en-ZA" sz="1100">
+                        <a:effectLst/>
+                        <a:latin typeface="Arial" panose="020B0604020202020204" pitchFamily="34" charset="0"/>
+                        <a:ea typeface="Times New Roman" panose="02020603050405020304" pitchFamily="18" charset="0"/>
+                        <a:cs typeface="Arial" panose="020B0604020202020204" pitchFamily="34" charset="0"/>
+                      </a:endParaRPr>
+                    </a:p>
+                  </a:txBody>
+                  <a:tcPr marL="68580" marR="68580" marT="0" marB="0">
+                    <a:lnR w="12700" cap="flat" cmpd="sng" algn="ctr">
+                      <a:solidFill>
+                        <a:schemeClr val="tx1"/>
+                      </a:solidFill>
+                      <a:prstDash val="solid"/>
+                      <a:round/>
+                      <a:headEnd type="none" w="med" len="med"/>
+                      <a:tailEnd type="none" w="med" len="med"/>
+                    </a:lnR>
+                    <a:lnT w="12700" cap="flat" cmpd="sng" algn="ctr">
+                      <a:solidFill>
+                        <a:schemeClr val="tx1"/>
+                      </a:solidFill>
+                      <a:prstDash val="solid"/>
+                      <a:round/>
+                      <a:headEnd type="none" w="med" len="med"/>
+                      <a:tailEnd type="none" w="med" len="med"/>
+                    </a:lnT>
+                  </a:tcPr>
+                </a:tc>
+                <a:extLst>
+                  <a:ext uri="{0D108BD9-81ED-4DB2-BD59-A6C34878D82A}">
+                    <a16:rowId xmlns:a16="http://schemas.microsoft.com/office/drawing/2014/main" val="2804944539"/>
+                  </a:ext>
+                </a:extLst>
+              </a:tr>
+              <a:tr h="237320">
+                <a:tc>
+                  <a:txBody>
+                    <a:bodyPr/>
+                    <a:lstStyle/>
+                    <a:p>
+                      <a:pPr marL="0" lvl="0" indent="0" algn="l">
+                        <a:lnSpc>
+                          <a:spcPct val="115000"/>
+                        </a:lnSpc>
+                        <a:spcAft>
+                          <a:spcPts val="0"/>
+                        </a:spcAft>
+                        <a:buFont typeface="+mj-lt"/>
+                        <a:buNone/>
+                      </a:pPr>
+                      <a:r>
+                        <a:rPr lang="en-GB" sz="1400" dirty="0">
+                          <a:effectLst/>
+                          <a:latin typeface="Arial" panose="020B0604020202020204" pitchFamily="34" charset="0"/>
+                          <a:ea typeface="Times New Roman" panose="02020603050405020304" pitchFamily="18" charset="0"/>
+                          <a:cs typeface="Arial" panose="020B0604020202020204" pitchFamily="34" charset="0"/>
+                        </a:rPr>
+                        <a:t>Scope definition</a:t>
+                      </a:r>
+                      <a:endParaRPr lang="en-ZA" sz="1100" dirty="0">
+                        <a:effectLst/>
+                        <a:latin typeface="Arial" panose="020B0604020202020204" pitchFamily="34" charset="0"/>
+                        <a:ea typeface="Times New Roman" panose="02020603050405020304" pitchFamily="18" charset="0"/>
+                        <a:cs typeface="Arial" panose="020B0604020202020204" pitchFamily="34" charset="0"/>
+                      </a:endParaRPr>
+                    </a:p>
+                  </a:txBody>
+                  <a:tcPr marL="68580" marR="68580" marT="0" marB="0">
+                    <a:lnL w="12700" cap="flat" cmpd="sng" algn="ctr">
+                      <a:solidFill>
+                        <a:schemeClr val="tx1"/>
+                      </a:solidFill>
+                      <a:prstDash val="solid"/>
+                      <a:round/>
+                      <a:headEnd type="none" w="med" len="med"/>
+                      <a:tailEnd type="none" w="med" len="med"/>
+                    </a:lnL>
+                  </a:tcPr>
+                </a:tc>
+                <a:tc>
+                  <a:txBody>
+                    <a:bodyPr/>
+                    <a:lstStyle/>
+                    <a:p>
+                      <a:pPr>
+                        <a:lnSpc>
+                          <a:spcPct val="115000"/>
+                        </a:lnSpc>
+                        <a:spcAft>
+                          <a:spcPts val="0"/>
+                        </a:spcAft>
+                      </a:pPr>
+                      <a:r>
+                        <a:rPr lang="en-GB" sz="1200" dirty="0">
+                          <a:effectLst/>
+                          <a:latin typeface="Arial" panose="020B0604020202020204" pitchFamily="34" charset="0"/>
+                          <a:ea typeface="Times New Roman" panose="02020603050405020304" pitchFamily="18" charset="0"/>
+                          <a:cs typeface="Arial" panose="020B0604020202020204" pitchFamily="34" charset="0"/>
+                        </a:rPr>
+                        <a:t>Scope definition documented in the project proposal. </a:t>
+                      </a:r>
+                      <a:endParaRPr lang="en-ZA" sz="1050" dirty="0">
+                        <a:effectLst/>
+                        <a:latin typeface="Arial" panose="020B0604020202020204" pitchFamily="34" charset="0"/>
+                        <a:ea typeface="Times New Roman" panose="02020603050405020304" pitchFamily="18" charset="0"/>
+                        <a:cs typeface="Arial" panose="020B0604020202020204" pitchFamily="34" charset="0"/>
+                      </a:endParaRPr>
+                    </a:p>
+                  </a:txBody>
+                  <a:tcPr marL="68580" marR="68580" marT="0" marB="0"/>
+                </a:tc>
+                <a:tc>
+                  <a:txBody>
+                    <a:bodyPr/>
+                    <a:lstStyle/>
+                    <a:p>
+                      <a:pPr>
+                        <a:lnSpc>
+                          <a:spcPct val="110000"/>
+                        </a:lnSpc>
+                        <a:spcAft>
+                          <a:spcPts val="0"/>
+                        </a:spcAft>
+                      </a:pPr>
+                      <a:r>
+                        <a:rPr lang="en-GB" sz="1400" dirty="0">
+                          <a:effectLst/>
+                          <a:latin typeface="Arial" panose="020B0604020202020204" pitchFamily="34" charset="0"/>
+                          <a:ea typeface="Times New Roman" panose="02020603050405020304" pitchFamily="18" charset="0"/>
+                          <a:cs typeface="Arial" panose="020B0604020202020204" pitchFamily="34" charset="0"/>
+                        </a:rPr>
+                        <a:t>25-02-2019 </a:t>
+                      </a:r>
+                      <a:endParaRPr lang="en-ZA" sz="1100" dirty="0">
+                        <a:effectLst/>
+                        <a:latin typeface="Arial" panose="020B0604020202020204" pitchFamily="34" charset="0"/>
+                        <a:ea typeface="Times New Roman" panose="02020603050405020304" pitchFamily="18" charset="0"/>
+                        <a:cs typeface="Arial" panose="020B0604020202020204" pitchFamily="34" charset="0"/>
+                      </a:endParaRPr>
+                    </a:p>
+                  </a:txBody>
+                  <a:tcPr marL="68580" marR="68580" marT="0" marB="0">
+                    <a:lnR w="12700" cap="flat" cmpd="sng" algn="ctr">
+                      <a:solidFill>
+                        <a:schemeClr val="tx1"/>
+                      </a:solidFill>
+                      <a:prstDash val="solid"/>
+                      <a:round/>
+                      <a:headEnd type="none" w="med" len="med"/>
+                      <a:tailEnd type="none" w="med" len="med"/>
+                    </a:lnR>
+                  </a:tcPr>
+                </a:tc>
+                <a:extLst>
+                  <a:ext uri="{0D108BD9-81ED-4DB2-BD59-A6C34878D82A}">
+                    <a16:rowId xmlns:a16="http://schemas.microsoft.com/office/drawing/2014/main" val="991433818"/>
+                  </a:ext>
+                </a:extLst>
+              </a:tr>
+              <a:tr h="522749">
+                <a:tc>
+                  <a:txBody>
+                    <a:bodyPr/>
+                    <a:lstStyle/>
+                    <a:p>
+                      <a:pPr marL="0" lvl="0" indent="0" algn="l">
+                        <a:lnSpc>
+                          <a:spcPct val="110000"/>
+                        </a:lnSpc>
+                        <a:spcAft>
+                          <a:spcPts val="0"/>
+                        </a:spcAft>
+                        <a:buFont typeface="+mj-lt"/>
+                        <a:buNone/>
+                      </a:pPr>
+                      <a:r>
+                        <a:rPr lang="en-GB" sz="1400" dirty="0">
+                          <a:effectLst/>
+                          <a:latin typeface="Arial" panose="020B0604020202020204" pitchFamily="34" charset="0"/>
+                          <a:ea typeface="Times New Roman" panose="02020603050405020304" pitchFamily="18" charset="0"/>
+                          <a:cs typeface="Arial" panose="020B0604020202020204" pitchFamily="34" charset="0"/>
+                        </a:rPr>
+                        <a:t>Problem analysis</a:t>
+                      </a:r>
+                      <a:endParaRPr lang="en-ZA" sz="1100" dirty="0">
+                        <a:effectLst/>
+                        <a:latin typeface="Arial" panose="020B0604020202020204" pitchFamily="34" charset="0"/>
+                        <a:ea typeface="Times New Roman" panose="02020603050405020304" pitchFamily="18" charset="0"/>
+                        <a:cs typeface="Arial" panose="020B0604020202020204" pitchFamily="34" charset="0"/>
+                      </a:endParaRPr>
+                    </a:p>
+                  </a:txBody>
+                  <a:tcPr marL="68580" marR="68580" marT="0" marB="0">
+                    <a:lnL w="12700" cap="flat" cmpd="sng" algn="ctr">
+                      <a:solidFill>
+                        <a:schemeClr val="tx1"/>
+                      </a:solidFill>
+                      <a:prstDash val="solid"/>
+                      <a:round/>
+                      <a:headEnd type="none" w="med" len="med"/>
+                      <a:tailEnd type="none" w="med" len="med"/>
+                    </a:lnL>
+                  </a:tcPr>
+                </a:tc>
+                <a:tc>
+                  <a:txBody>
+                    <a:bodyPr/>
+                    <a:lstStyle/>
+                    <a:p>
+                      <a:pPr>
+                        <a:lnSpc>
+                          <a:spcPct val="115000"/>
+                        </a:lnSpc>
+                        <a:spcAft>
+                          <a:spcPts val="0"/>
+                        </a:spcAft>
+                      </a:pPr>
+                      <a:r>
+                        <a:rPr lang="en-GB" sz="1200" dirty="0">
+                          <a:effectLst/>
+                          <a:latin typeface="Arial" panose="020B0604020202020204" pitchFamily="34" charset="0"/>
+                          <a:ea typeface="Times New Roman" panose="02020603050405020304" pitchFamily="18" charset="0"/>
+                          <a:cs typeface="Arial" panose="020B0604020202020204" pitchFamily="34" charset="0"/>
+                        </a:rPr>
+                        <a:t>The project proposal with the existing problems, proposed solutions to the problems, business opportunities, schedule of events and the economic justification. </a:t>
+                      </a:r>
+                      <a:endParaRPr lang="en-ZA" sz="1050" dirty="0">
+                        <a:effectLst/>
+                        <a:latin typeface="Arial" panose="020B0604020202020204" pitchFamily="34" charset="0"/>
+                        <a:ea typeface="Times New Roman" panose="02020603050405020304" pitchFamily="18" charset="0"/>
+                        <a:cs typeface="Arial" panose="020B0604020202020204" pitchFamily="34" charset="0"/>
+                      </a:endParaRPr>
+                    </a:p>
+                  </a:txBody>
+                  <a:tcPr marL="68580" marR="68580" marT="0" marB="0"/>
+                </a:tc>
+                <a:tc>
+                  <a:txBody>
+                    <a:bodyPr/>
+                    <a:lstStyle/>
+                    <a:p>
+                      <a:pPr>
+                        <a:lnSpc>
+                          <a:spcPct val="110000"/>
+                        </a:lnSpc>
+                        <a:spcAft>
+                          <a:spcPts val="0"/>
+                        </a:spcAft>
+                      </a:pPr>
+                      <a:r>
+                        <a:rPr lang="en-GB" sz="1400">
+                          <a:effectLst/>
+                          <a:latin typeface="Arial" panose="020B0604020202020204" pitchFamily="34" charset="0"/>
+                          <a:ea typeface="Times New Roman" panose="02020603050405020304" pitchFamily="18" charset="0"/>
+                          <a:cs typeface="Arial" panose="020B0604020202020204" pitchFamily="34" charset="0"/>
+                        </a:rPr>
+                        <a:t>25-02-2019</a:t>
+                      </a:r>
+                      <a:endParaRPr lang="en-ZA" sz="1100">
+                        <a:effectLst/>
+                        <a:latin typeface="Arial" panose="020B0604020202020204" pitchFamily="34" charset="0"/>
+                        <a:ea typeface="Times New Roman" panose="02020603050405020304" pitchFamily="18" charset="0"/>
+                        <a:cs typeface="Arial" panose="020B0604020202020204" pitchFamily="34" charset="0"/>
+                      </a:endParaRPr>
+                    </a:p>
+                  </a:txBody>
+                  <a:tcPr marL="68580" marR="68580" marT="0" marB="0">
+                    <a:lnR w="12700" cap="flat" cmpd="sng" algn="ctr">
+                      <a:solidFill>
+                        <a:schemeClr val="tx1"/>
+                      </a:solidFill>
+                      <a:prstDash val="solid"/>
+                      <a:round/>
+                      <a:headEnd type="none" w="med" len="med"/>
+                      <a:tailEnd type="none" w="med" len="med"/>
+                    </a:lnR>
+                  </a:tcPr>
+                </a:tc>
+                <a:extLst>
+                  <a:ext uri="{0D108BD9-81ED-4DB2-BD59-A6C34878D82A}">
+                    <a16:rowId xmlns:a16="http://schemas.microsoft.com/office/drawing/2014/main" val="1834968504"/>
+                  </a:ext>
+                </a:extLst>
+              </a:tr>
+              <a:tr h="359926">
+                <a:tc>
+                  <a:txBody>
+                    <a:bodyPr/>
+                    <a:lstStyle/>
+                    <a:p>
+                      <a:pPr marL="0" lvl="0" indent="0" algn="l">
+                        <a:lnSpc>
+                          <a:spcPct val="110000"/>
+                        </a:lnSpc>
+                        <a:spcAft>
+                          <a:spcPts val="0"/>
+                        </a:spcAft>
+                        <a:buFont typeface="+mj-lt"/>
+                        <a:buNone/>
+                      </a:pPr>
+                      <a:r>
+                        <a:rPr lang="en-GB" sz="1400" dirty="0">
+                          <a:effectLst/>
+                          <a:latin typeface="Arial" panose="020B0604020202020204" pitchFamily="34" charset="0"/>
+                          <a:ea typeface="Times New Roman" panose="02020603050405020304" pitchFamily="18" charset="0"/>
+                          <a:cs typeface="Arial" panose="020B0604020202020204" pitchFamily="34" charset="0"/>
+                        </a:rPr>
+                        <a:t>Requirements analysis</a:t>
+                      </a:r>
+                      <a:endParaRPr lang="en-ZA" sz="1100" dirty="0">
+                        <a:effectLst/>
+                        <a:latin typeface="Arial" panose="020B0604020202020204" pitchFamily="34" charset="0"/>
+                        <a:ea typeface="Times New Roman" panose="02020603050405020304" pitchFamily="18" charset="0"/>
+                        <a:cs typeface="Arial" panose="020B0604020202020204" pitchFamily="34" charset="0"/>
+                      </a:endParaRPr>
+                    </a:p>
+                  </a:txBody>
+                  <a:tcPr marL="68580" marR="68580" marT="0" marB="0">
+                    <a:lnL w="12700" cap="flat" cmpd="sng" algn="ctr">
+                      <a:solidFill>
+                        <a:schemeClr val="tx1"/>
+                      </a:solidFill>
+                      <a:prstDash val="solid"/>
+                      <a:round/>
+                      <a:headEnd type="none" w="med" len="med"/>
+                      <a:tailEnd type="none" w="med" len="med"/>
+                    </a:lnL>
+                  </a:tcPr>
+                </a:tc>
+                <a:tc>
+                  <a:txBody>
+                    <a:bodyPr/>
+                    <a:lstStyle/>
+                    <a:p>
+                      <a:pPr>
+                        <a:lnSpc>
+                          <a:spcPct val="115000"/>
+                        </a:lnSpc>
+                        <a:spcAft>
+                          <a:spcPts val="0"/>
+                        </a:spcAft>
+                      </a:pPr>
+                      <a:r>
+                        <a:rPr lang="en-GB" sz="1200" dirty="0">
+                          <a:effectLst/>
+                          <a:latin typeface="Arial" panose="020B0604020202020204" pitchFamily="34" charset="0"/>
+                          <a:ea typeface="Times New Roman" panose="02020603050405020304" pitchFamily="18" charset="0"/>
+                          <a:cs typeface="Arial" panose="020B0604020202020204" pitchFamily="34" charset="0"/>
+                        </a:rPr>
+                        <a:t>Business requirement statements</a:t>
+                      </a:r>
+                      <a:endParaRPr lang="en-ZA" sz="1050" dirty="0">
+                        <a:effectLst/>
+                        <a:latin typeface="Arial" panose="020B0604020202020204" pitchFamily="34" charset="0"/>
+                        <a:ea typeface="Times New Roman" panose="02020603050405020304" pitchFamily="18" charset="0"/>
+                        <a:cs typeface="Arial" panose="020B0604020202020204" pitchFamily="34" charset="0"/>
+                      </a:endParaRPr>
+                    </a:p>
+                  </a:txBody>
+                  <a:tcPr marL="68580" marR="68580" marT="0" marB="0"/>
+                </a:tc>
+                <a:tc>
+                  <a:txBody>
+                    <a:bodyPr/>
+                    <a:lstStyle/>
+                    <a:p>
+                      <a:pPr>
+                        <a:lnSpc>
+                          <a:spcPct val="110000"/>
+                        </a:lnSpc>
+                        <a:spcAft>
+                          <a:spcPts val="0"/>
+                        </a:spcAft>
+                      </a:pPr>
+                      <a:r>
+                        <a:rPr lang="en-GB" sz="1400" dirty="0">
+                          <a:solidFill>
+                            <a:srgbClr val="FF0000"/>
+                          </a:solidFill>
+                          <a:effectLst/>
+                          <a:latin typeface="Arial" panose="020B0604020202020204" pitchFamily="34" charset="0"/>
+                          <a:ea typeface="Times New Roman" panose="02020603050405020304" pitchFamily="18" charset="0"/>
+                          <a:cs typeface="Arial" panose="020B0604020202020204" pitchFamily="34" charset="0"/>
+                        </a:rPr>
+                        <a:t>Complete</a:t>
+                      </a:r>
+                      <a:r>
+                        <a:rPr lang="en-GB" sz="1400" baseline="0" dirty="0">
+                          <a:solidFill>
+                            <a:srgbClr val="FF0000"/>
+                          </a:solidFill>
+                          <a:effectLst/>
+                          <a:latin typeface="Arial" panose="020B0604020202020204" pitchFamily="34" charset="0"/>
+                          <a:ea typeface="Times New Roman" panose="02020603050405020304" pitchFamily="18" charset="0"/>
+                          <a:cs typeface="Arial" panose="020B0604020202020204" pitchFamily="34" charset="0"/>
+                        </a:rPr>
+                        <a:t> </a:t>
+                      </a:r>
+                      <a:r>
+                        <a:rPr lang="en-GB" sz="1400" dirty="0">
+                          <a:solidFill>
+                            <a:srgbClr val="FF0000"/>
+                          </a:solidFill>
+                          <a:effectLst/>
+                          <a:latin typeface="Arial" panose="020B0604020202020204" pitchFamily="34" charset="0"/>
+                          <a:ea typeface="Times New Roman" panose="02020603050405020304" pitchFamily="18" charset="0"/>
+                          <a:cs typeface="Arial" panose="020B0604020202020204" pitchFamily="34" charset="0"/>
+                        </a:rPr>
+                        <a:t>dates</a:t>
+                      </a:r>
+                      <a:endParaRPr lang="en-ZA" sz="1100" dirty="0">
+                        <a:effectLst/>
+                        <a:latin typeface="Arial" panose="020B0604020202020204" pitchFamily="34" charset="0"/>
+                        <a:ea typeface="Times New Roman" panose="02020603050405020304" pitchFamily="18" charset="0"/>
+                        <a:cs typeface="Arial" panose="020B0604020202020204" pitchFamily="34" charset="0"/>
+                      </a:endParaRPr>
+                    </a:p>
+                  </a:txBody>
+                  <a:tcPr marL="68580" marR="68580" marT="0" marB="0">
+                    <a:lnR w="12700" cap="flat" cmpd="sng" algn="ctr">
+                      <a:solidFill>
+                        <a:schemeClr val="tx1"/>
+                      </a:solidFill>
+                      <a:prstDash val="solid"/>
+                      <a:round/>
+                      <a:headEnd type="none" w="med" len="med"/>
+                      <a:tailEnd type="none" w="med" len="med"/>
+                    </a:lnR>
+                  </a:tcPr>
+                </a:tc>
+                <a:extLst>
+                  <a:ext uri="{0D108BD9-81ED-4DB2-BD59-A6C34878D82A}">
+                    <a16:rowId xmlns:a16="http://schemas.microsoft.com/office/drawing/2014/main" val="2375023228"/>
+                  </a:ext>
+                </a:extLst>
+              </a:tr>
+              <a:tr h="227002">
+                <a:tc>
+                  <a:txBody>
+                    <a:bodyPr/>
+                    <a:lstStyle/>
+                    <a:p>
+                      <a:pPr marL="0" lvl="0" indent="0" algn="l">
+                        <a:lnSpc>
+                          <a:spcPct val="110000"/>
+                        </a:lnSpc>
+                        <a:spcAft>
+                          <a:spcPts val="0"/>
+                        </a:spcAft>
+                        <a:buFont typeface="+mj-lt"/>
+                        <a:buNone/>
+                      </a:pPr>
+                      <a:r>
+                        <a:rPr lang="en-GB" sz="1400" dirty="0">
+                          <a:effectLst/>
+                          <a:latin typeface="Arial" panose="020B0604020202020204" pitchFamily="34" charset="0"/>
+                          <a:ea typeface="Times New Roman" panose="02020603050405020304" pitchFamily="18" charset="0"/>
+                          <a:cs typeface="Arial" panose="020B0604020202020204" pitchFamily="34" charset="0"/>
+                        </a:rPr>
+                        <a:t>Logical design</a:t>
+                      </a:r>
+                      <a:endParaRPr lang="en-ZA" sz="1100" dirty="0">
+                        <a:effectLst/>
+                        <a:latin typeface="Arial" panose="020B0604020202020204" pitchFamily="34" charset="0"/>
+                        <a:ea typeface="Times New Roman" panose="02020603050405020304" pitchFamily="18" charset="0"/>
+                        <a:cs typeface="Arial" panose="020B0604020202020204" pitchFamily="34" charset="0"/>
+                      </a:endParaRPr>
+                    </a:p>
+                  </a:txBody>
+                  <a:tcPr marL="68580" marR="68580" marT="0" marB="0">
+                    <a:lnL w="12700" cap="flat" cmpd="sng" algn="ctr">
+                      <a:solidFill>
+                        <a:schemeClr val="tx1"/>
+                      </a:solidFill>
+                      <a:prstDash val="solid"/>
+                      <a:round/>
+                      <a:headEnd type="none" w="med" len="med"/>
+                      <a:tailEnd type="none" w="med" len="med"/>
+                    </a:lnL>
+                  </a:tcPr>
+                </a:tc>
+                <a:tc>
+                  <a:txBody>
+                    <a:bodyPr/>
+                    <a:lstStyle/>
+                    <a:p>
+                      <a:pPr>
+                        <a:lnSpc>
+                          <a:spcPct val="115000"/>
+                        </a:lnSpc>
+                        <a:spcAft>
+                          <a:spcPts val="0"/>
+                        </a:spcAft>
+                      </a:pPr>
+                      <a:r>
+                        <a:rPr lang="en-GB" sz="1200" dirty="0">
+                          <a:effectLst/>
+                          <a:latin typeface="Arial" panose="020B0604020202020204" pitchFamily="34" charset="0"/>
+                          <a:ea typeface="Times New Roman" panose="02020603050405020304" pitchFamily="18" charset="0"/>
+                          <a:cs typeface="Arial" panose="020B0604020202020204" pitchFamily="34" charset="0"/>
+                        </a:rPr>
+                        <a:t>Specifications and the logical system modules</a:t>
+                      </a:r>
+                      <a:endParaRPr lang="en-ZA" sz="1050" dirty="0">
+                        <a:effectLst/>
+                        <a:latin typeface="Arial" panose="020B0604020202020204" pitchFamily="34" charset="0"/>
+                        <a:ea typeface="Times New Roman" panose="02020603050405020304" pitchFamily="18" charset="0"/>
+                        <a:cs typeface="Arial" panose="020B0604020202020204" pitchFamily="34" charset="0"/>
+                      </a:endParaRPr>
+                    </a:p>
+                  </a:txBody>
+                  <a:tcPr marL="68580" marR="68580" marT="0" marB="0"/>
+                </a:tc>
+                <a:tc>
+                  <a:txBody>
+                    <a:bodyPr/>
+                    <a:lstStyle/>
+                    <a:p>
+                      <a:pPr>
+                        <a:lnSpc>
+                          <a:spcPct val="110000"/>
+                        </a:lnSpc>
+                        <a:spcAft>
+                          <a:spcPts val="0"/>
+                        </a:spcAft>
+                      </a:pPr>
+                      <a:r>
+                        <a:rPr lang="en-GB" sz="1400" dirty="0">
+                          <a:solidFill>
+                            <a:srgbClr val="FF0000"/>
+                          </a:solidFill>
+                          <a:effectLst/>
+                          <a:latin typeface="Arial" panose="020B0604020202020204" pitchFamily="34" charset="0"/>
+                          <a:ea typeface="Times New Roman" panose="02020603050405020304" pitchFamily="18" charset="0"/>
+                          <a:cs typeface="Arial" panose="020B0604020202020204" pitchFamily="34" charset="0"/>
+                        </a:rPr>
+                        <a:t>Complete dates</a:t>
+                      </a:r>
+                      <a:endParaRPr lang="en-ZA" sz="1100" dirty="0">
+                        <a:effectLst/>
+                        <a:latin typeface="Arial" panose="020B0604020202020204" pitchFamily="34" charset="0"/>
+                        <a:ea typeface="Times New Roman" panose="02020603050405020304" pitchFamily="18" charset="0"/>
+                        <a:cs typeface="Arial" panose="020B0604020202020204" pitchFamily="34" charset="0"/>
+                      </a:endParaRPr>
+                    </a:p>
+                  </a:txBody>
+                  <a:tcPr marL="68580" marR="68580" marT="0" marB="0">
+                    <a:lnR w="12700" cap="flat" cmpd="sng" algn="ctr">
+                      <a:solidFill>
+                        <a:schemeClr val="tx1"/>
+                      </a:solidFill>
+                      <a:prstDash val="solid"/>
+                      <a:round/>
+                      <a:headEnd type="none" w="med" len="med"/>
+                      <a:tailEnd type="none" w="med" len="med"/>
+                    </a:lnR>
+                  </a:tcPr>
+                </a:tc>
+                <a:extLst>
+                  <a:ext uri="{0D108BD9-81ED-4DB2-BD59-A6C34878D82A}">
+                    <a16:rowId xmlns:a16="http://schemas.microsoft.com/office/drawing/2014/main" val="1232970004"/>
+                  </a:ext>
+                </a:extLst>
+              </a:tr>
+              <a:tr h="831640">
+                <a:tc>
+                  <a:txBody>
+                    <a:bodyPr/>
+                    <a:lstStyle/>
+                    <a:p>
+                      <a:pPr marL="0" lvl="0" indent="0" algn="l">
+                        <a:lnSpc>
+                          <a:spcPct val="110000"/>
+                        </a:lnSpc>
+                        <a:spcAft>
+                          <a:spcPts val="0"/>
+                        </a:spcAft>
+                        <a:buFont typeface="+mj-lt"/>
+                        <a:buNone/>
+                      </a:pPr>
+                      <a:r>
+                        <a:rPr lang="en-GB" sz="1400" dirty="0">
+                          <a:effectLst/>
+                          <a:latin typeface="Arial" panose="020B0604020202020204" pitchFamily="34" charset="0"/>
+                          <a:ea typeface="Times New Roman" panose="02020603050405020304" pitchFamily="18" charset="0"/>
+                          <a:cs typeface="Arial" panose="020B0604020202020204" pitchFamily="34" charset="0"/>
+                        </a:rPr>
+                        <a:t>Decision analysis</a:t>
+                      </a:r>
+                      <a:endParaRPr lang="en-ZA" sz="1100" dirty="0">
+                        <a:effectLst/>
+                        <a:latin typeface="Arial" panose="020B0604020202020204" pitchFamily="34" charset="0"/>
+                        <a:ea typeface="Times New Roman" panose="02020603050405020304" pitchFamily="18" charset="0"/>
+                        <a:cs typeface="Arial" panose="020B0604020202020204" pitchFamily="34" charset="0"/>
+                      </a:endParaRPr>
+                    </a:p>
+                  </a:txBody>
+                  <a:tcPr marL="68580" marR="68580" marT="0" marB="0">
+                    <a:lnL w="12700" cap="flat" cmpd="sng" algn="ctr">
+                      <a:solidFill>
+                        <a:schemeClr val="tx1"/>
+                      </a:solidFill>
+                      <a:prstDash val="solid"/>
+                      <a:round/>
+                      <a:headEnd type="none" w="med" len="med"/>
+                      <a:tailEnd type="none" w="med" len="med"/>
+                    </a:lnL>
+                  </a:tcPr>
+                </a:tc>
+                <a:tc>
+                  <a:txBody>
+                    <a:bodyPr/>
+                    <a:lstStyle/>
+                    <a:p>
+                      <a:pPr marL="342900" lvl="0" indent="-342900" algn="l">
+                        <a:spcAft>
+                          <a:spcPts val="0"/>
+                        </a:spcAft>
+                        <a:buFont typeface="Symbol" panose="05050102010706020507" pitchFamily="18" charset="2"/>
+                        <a:buChar char=""/>
+                        <a:tabLst>
+                          <a:tab pos="228600" algn="l"/>
+                        </a:tabLst>
+                      </a:pPr>
+                      <a:r>
+                        <a:rPr lang="en-GB" sz="1200" b="0" dirty="0">
+                          <a:effectLst/>
+                          <a:latin typeface="Arial" panose="020B0604020202020204" pitchFamily="34" charset="0"/>
+                          <a:ea typeface="Times New Roman" panose="02020603050405020304" pitchFamily="18" charset="0"/>
+                          <a:cs typeface="Arial" panose="020B0604020202020204" pitchFamily="34" charset="0"/>
+                        </a:rPr>
+                        <a:t>Document with evaluation for each candidate solution in terms of technical-, operational-, economic-, schedule- and risk- feasibility</a:t>
+                      </a:r>
+                      <a:endParaRPr lang="en-ZA" sz="1800" b="1" dirty="0">
+                        <a:effectLst/>
+                        <a:latin typeface="Arial" panose="020B0604020202020204" pitchFamily="34" charset="0"/>
+                        <a:ea typeface="Times New Roman" panose="02020603050405020304" pitchFamily="18" charset="0"/>
+                        <a:cs typeface="Arial" panose="020B0604020202020204" pitchFamily="34" charset="0"/>
+                      </a:endParaRPr>
+                    </a:p>
+                    <a:p>
+                      <a:pPr marL="342900" lvl="0" indent="-342900">
+                        <a:lnSpc>
+                          <a:spcPct val="115000"/>
+                        </a:lnSpc>
+                        <a:spcAft>
+                          <a:spcPts val="0"/>
+                        </a:spcAft>
+                        <a:buFont typeface="Symbol" panose="05050102010706020507" pitchFamily="18" charset="2"/>
+                        <a:buChar char=""/>
+                        <a:tabLst>
+                          <a:tab pos="228600" algn="l"/>
+                        </a:tabLst>
+                      </a:pPr>
+                      <a:r>
+                        <a:rPr lang="en-GB" sz="1200" dirty="0">
+                          <a:effectLst/>
+                          <a:latin typeface="Arial" panose="020B0604020202020204" pitchFamily="34" charset="0"/>
+                          <a:ea typeface="Times New Roman" panose="02020603050405020304" pitchFamily="18" charset="0"/>
+                          <a:cs typeface="Arial" panose="020B0604020202020204" pitchFamily="34" charset="0"/>
+                        </a:rPr>
+                        <a:t>Choose best candidate solution and decide whether project must be completed</a:t>
+                      </a:r>
+                      <a:endParaRPr lang="en-ZA" sz="1050" dirty="0">
+                        <a:effectLst/>
+                        <a:latin typeface="Arial" panose="020B0604020202020204" pitchFamily="34" charset="0"/>
+                        <a:ea typeface="Times New Roman" panose="02020603050405020304" pitchFamily="18" charset="0"/>
+                        <a:cs typeface="Arial" panose="020B0604020202020204" pitchFamily="34" charset="0"/>
+                      </a:endParaRPr>
+                    </a:p>
+                  </a:txBody>
+                  <a:tcPr marL="68580" marR="68580" marT="0" marB="0"/>
+                </a:tc>
+                <a:tc>
+                  <a:txBody>
+                    <a:bodyPr/>
+                    <a:lstStyle/>
+                    <a:p>
+                      <a:pPr>
+                        <a:lnSpc>
+                          <a:spcPct val="110000"/>
+                        </a:lnSpc>
+                        <a:spcAft>
+                          <a:spcPts val="0"/>
+                        </a:spcAft>
+                      </a:pPr>
+                      <a:r>
+                        <a:rPr lang="en-GB" sz="1400">
+                          <a:solidFill>
+                            <a:srgbClr val="FF0000"/>
+                          </a:solidFill>
+                          <a:effectLst/>
+                          <a:latin typeface="Arial" panose="020B0604020202020204" pitchFamily="34" charset="0"/>
+                          <a:ea typeface="Times New Roman" panose="02020603050405020304" pitchFamily="18" charset="0"/>
+                          <a:cs typeface="Arial" panose="020B0604020202020204" pitchFamily="34" charset="0"/>
+                        </a:rPr>
+                        <a:t>Complete dates</a:t>
+                      </a:r>
+                      <a:endParaRPr lang="en-ZA" sz="1100">
+                        <a:effectLst/>
+                        <a:latin typeface="Arial" panose="020B0604020202020204" pitchFamily="34" charset="0"/>
+                        <a:ea typeface="Times New Roman" panose="02020603050405020304" pitchFamily="18" charset="0"/>
+                        <a:cs typeface="Arial" panose="020B0604020202020204" pitchFamily="34" charset="0"/>
+                      </a:endParaRPr>
+                    </a:p>
+                  </a:txBody>
+                  <a:tcPr marL="68580" marR="68580" marT="0" marB="0">
+                    <a:lnR w="12700" cap="flat" cmpd="sng" algn="ctr">
+                      <a:solidFill>
+                        <a:schemeClr val="tx1"/>
+                      </a:solidFill>
+                      <a:prstDash val="solid"/>
+                      <a:round/>
+                      <a:headEnd type="none" w="med" len="med"/>
+                      <a:tailEnd type="none" w="med" len="med"/>
+                    </a:lnR>
+                  </a:tcPr>
+                </a:tc>
+                <a:extLst>
+                  <a:ext uri="{0D108BD9-81ED-4DB2-BD59-A6C34878D82A}">
+                    <a16:rowId xmlns:a16="http://schemas.microsoft.com/office/drawing/2014/main" val="3202722709"/>
+                  </a:ext>
+                </a:extLst>
+              </a:tr>
+              <a:tr h="802630">
+                <a:tc>
+                  <a:txBody>
+                    <a:bodyPr/>
+                    <a:lstStyle/>
+                    <a:p>
+                      <a:pPr marL="0" lvl="0" indent="0" algn="l">
+                        <a:lnSpc>
+                          <a:spcPct val="110000"/>
+                        </a:lnSpc>
+                        <a:spcAft>
+                          <a:spcPts val="0"/>
+                        </a:spcAft>
+                        <a:buFont typeface="+mj-lt"/>
+                        <a:buNone/>
+                      </a:pPr>
+                      <a:r>
+                        <a:rPr lang="en-GB" sz="1400" dirty="0">
+                          <a:effectLst/>
+                          <a:latin typeface="Arial" panose="020B0604020202020204" pitchFamily="34" charset="0"/>
+                          <a:ea typeface="Times New Roman" panose="02020603050405020304" pitchFamily="18" charset="0"/>
+                          <a:cs typeface="Arial" panose="020B0604020202020204" pitchFamily="34" charset="0"/>
+                        </a:rPr>
+                        <a:t>Physical design &amp; integration</a:t>
+                      </a:r>
+                      <a:endParaRPr lang="en-ZA" sz="1100" dirty="0">
+                        <a:effectLst/>
+                        <a:latin typeface="Arial" panose="020B0604020202020204" pitchFamily="34" charset="0"/>
+                        <a:ea typeface="Times New Roman" panose="02020603050405020304" pitchFamily="18" charset="0"/>
+                        <a:cs typeface="Arial" panose="020B0604020202020204" pitchFamily="34" charset="0"/>
+                      </a:endParaRPr>
+                    </a:p>
+                  </a:txBody>
+                  <a:tcPr marL="68580" marR="68580" marT="0" marB="0">
+                    <a:lnL w="12700" cap="flat" cmpd="sng" algn="ctr">
+                      <a:solidFill>
+                        <a:schemeClr val="tx1"/>
+                      </a:solidFill>
+                      <a:prstDash val="solid"/>
+                      <a:round/>
+                      <a:headEnd type="none" w="med" len="med"/>
+                      <a:tailEnd type="none" w="med" len="med"/>
+                    </a:lnL>
+                  </a:tcPr>
+                </a:tc>
+                <a:tc>
+                  <a:txBody>
+                    <a:bodyPr/>
+                    <a:lstStyle/>
+                    <a:p>
+                      <a:pPr marL="342900" lvl="0" indent="-342900" algn="l">
+                        <a:spcAft>
+                          <a:spcPts val="0"/>
+                        </a:spcAft>
+                        <a:buFont typeface="Symbol" panose="05050102010706020507" pitchFamily="18" charset="2"/>
+                        <a:buChar char=""/>
+                        <a:tabLst>
+                          <a:tab pos="228600" algn="l"/>
+                        </a:tabLst>
+                      </a:pPr>
+                      <a:r>
+                        <a:rPr lang="en-GB" sz="1200" b="0" dirty="0">
+                          <a:effectLst/>
+                          <a:latin typeface="Arial" panose="020B0604020202020204" pitchFamily="34" charset="0"/>
+                          <a:ea typeface="Times New Roman" panose="02020603050405020304" pitchFamily="18" charset="0"/>
+                          <a:cs typeface="Arial" panose="020B0604020202020204" pitchFamily="34" charset="0"/>
+                        </a:rPr>
+                        <a:t>Physical design models</a:t>
+                      </a:r>
+                      <a:endParaRPr lang="en-ZA" sz="1800" b="1" dirty="0">
+                        <a:effectLst/>
+                        <a:latin typeface="Arial" panose="020B0604020202020204" pitchFamily="34" charset="0"/>
+                        <a:ea typeface="Times New Roman" panose="02020603050405020304" pitchFamily="18" charset="0"/>
+                        <a:cs typeface="Arial" panose="020B0604020202020204" pitchFamily="34" charset="0"/>
+                      </a:endParaRPr>
+                    </a:p>
+                    <a:p>
+                      <a:pPr marL="342900" lvl="0" indent="-342900" algn="l">
+                        <a:spcAft>
+                          <a:spcPts val="0"/>
+                        </a:spcAft>
+                        <a:buFont typeface="Symbol" panose="05050102010706020507" pitchFamily="18" charset="2"/>
+                        <a:buChar char=""/>
+                        <a:tabLst>
+                          <a:tab pos="228600" algn="l"/>
+                        </a:tabLst>
+                      </a:pPr>
+                      <a:r>
+                        <a:rPr lang="en-GB" sz="1200" b="0" dirty="0">
+                          <a:effectLst/>
+                          <a:latin typeface="Arial" panose="020B0604020202020204" pitchFamily="34" charset="0"/>
+                          <a:ea typeface="Times New Roman" panose="02020603050405020304" pitchFamily="18" charset="0"/>
+                          <a:cs typeface="Arial" panose="020B0604020202020204" pitchFamily="34" charset="0"/>
+                        </a:rPr>
+                        <a:t>Detail specifications</a:t>
+                      </a:r>
+                      <a:endParaRPr lang="en-ZA" sz="1800" b="1" dirty="0">
+                        <a:effectLst/>
+                        <a:latin typeface="Arial" panose="020B0604020202020204" pitchFamily="34" charset="0"/>
+                        <a:ea typeface="Times New Roman" panose="02020603050405020304" pitchFamily="18" charset="0"/>
+                        <a:cs typeface="Arial" panose="020B0604020202020204" pitchFamily="34" charset="0"/>
+                      </a:endParaRPr>
+                    </a:p>
+                    <a:p>
+                      <a:pPr marL="342900" lvl="0" indent="-342900" algn="l">
+                        <a:spcAft>
+                          <a:spcPts val="0"/>
+                        </a:spcAft>
+                        <a:buFont typeface="Symbol" panose="05050102010706020507" pitchFamily="18" charset="2"/>
+                        <a:buChar char=""/>
+                        <a:tabLst>
+                          <a:tab pos="228600" algn="l"/>
+                        </a:tabLst>
+                      </a:pPr>
+                      <a:r>
+                        <a:rPr lang="en-GB" sz="1200" b="0" dirty="0">
+                          <a:effectLst/>
+                          <a:latin typeface="Arial" panose="020B0604020202020204" pitchFamily="34" charset="0"/>
+                          <a:ea typeface="Times New Roman" panose="02020603050405020304" pitchFamily="18" charset="0"/>
+                          <a:cs typeface="Arial" panose="020B0604020202020204" pitchFamily="34" charset="0"/>
+                        </a:rPr>
+                        <a:t>Prototypes</a:t>
+                      </a:r>
+                      <a:endParaRPr lang="en-ZA" sz="1800" b="1" dirty="0">
+                        <a:effectLst/>
+                        <a:latin typeface="Arial" panose="020B0604020202020204" pitchFamily="34" charset="0"/>
+                        <a:ea typeface="Times New Roman" panose="02020603050405020304" pitchFamily="18" charset="0"/>
+                        <a:cs typeface="Arial" panose="020B0604020202020204" pitchFamily="34" charset="0"/>
+                      </a:endParaRPr>
+                    </a:p>
+                    <a:p>
+                      <a:pPr marL="342900" lvl="0" indent="-342900">
+                        <a:lnSpc>
+                          <a:spcPct val="115000"/>
+                        </a:lnSpc>
+                        <a:spcAft>
+                          <a:spcPts val="0"/>
+                        </a:spcAft>
+                        <a:buFont typeface="Symbol" panose="05050102010706020507" pitchFamily="18" charset="2"/>
+                        <a:buChar char=""/>
+                        <a:tabLst>
+                          <a:tab pos="228600" algn="l"/>
+                        </a:tabLst>
+                      </a:pPr>
+                      <a:r>
+                        <a:rPr lang="en-GB" sz="1200" dirty="0">
+                          <a:effectLst/>
+                          <a:latin typeface="Arial" panose="020B0604020202020204" pitchFamily="34" charset="0"/>
+                          <a:ea typeface="Times New Roman" panose="02020603050405020304" pitchFamily="18" charset="0"/>
+                          <a:cs typeface="Arial" panose="020B0604020202020204" pitchFamily="34" charset="0"/>
+                        </a:rPr>
+                        <a:t>Redesigned business processes</a:t>
+                      </a:r>
+                      <a:endParaRPr lang="en-ZA" sz="1050" dirty="0">
+                        <a:effectLst/>
+                        <a:latin typeface="Arial" panose="020B0604020202020204" pitchFamily="34" charset="0"/>
+                        <a:ea typeface="Times New Roman" panose="02020603050405020304" pitchFamily="18" charset="0"/>
+                        <a:cs typeface="Arial" panose="020B0604020202020204" pitchFamily="34" charset="0"/>
+                      </a:endParaRPr>
+                    </a:p>
+                  </a:txBody>
+                  <a:tcPr marL="68580" marR="68580" marT="0" marB="0"/>
+                </a:tc>
+                <a:tc>
+                  <a:txBody>
+                    <a:bodyPr/>
+                    <a:lstStyle/>
+                    <a:p>
+                      <a:pPr>
+                        <a:lnSpc>
+                          <a:spcPct val="110000"/>
+                        </a:lnSpc>
+                        <a:spcAft>
+                          <a:spcPts val="0"/>
+                        </a:spcAft>
+                      </a:pPr>
+                      <a:r>
+                        <a:rPr lang="en-GB" sz="1400" dirty="0">
+                          <a:solidFill>
+                            <a:srgbClr val="FF0000"/>
+                          </a:solidFill>
+                          <a:effectLst/>
+                          <a:latin typeface="Arial" panose="020B0604020202020204" pitchFamily="34" charset="0"/>
+                          <a:ea typeface="Times New Roman" panose="02020603050405020304" pitchFamily="18" charset="0"/>
+                          <a:cs typeface="Arial" panose="020B0604020202020204" pitchFamily="34" charset="0"/>
+                        </a:rPr>
+                        <a:t>Complete dates</a:t>
+                      </a:r>
+                      <a:endParaRPr lang="en-ZA" sz="1100" dirty="0">
+                        <a:effectLst/>
+                        <a:latin typeface="Arial" panose="020B0604020202020204" pitchFamily="34" charset="0"/>
+                        <a:ea typeface="Times New Roman" panose="02020603050405020304" pitchFamily="18" charset="0"/>
+                        <a:cs typeface="Arial" panose="020B0604020202020204" pitchFamily="34" charset="0"/>
+                      </a:endParaRPr>
+                    </a:p>
+                  </a:txBody>
+                  <a:tcPr marL="68580" marR="68580" marT="0" marB="0">
+                    <a:lnR w="12700" cap="flat" cmpd="sng" algn="ctr">
+                      <a:solidFill>
+                        <a:schemeClr val="tx1"/>
+                      </a:solidFill>
+                      <a:prstDash val="solid"/>
+                      <a:round/>
+                      <a:headEnd type="none" w="med" len="med"/>
+                      <a:tailEnd type="none" w="med" len="med"/>
+                    </a:lnR>
+                  </a:tcPr>
+                </a:tc>
+                <a:extLst>
+                  <a:ext uri="{0D108BD9-81ED-4DB2-BD59-A6C34878D82A}">
+                    <a16:rowId xmlns:a16="http://schemas.microsoft.com/office/drawing/2014/main" val="2415059180"/>
+                  </a:ext>
+                </a:extLst>
+              </a:tr>
+              <a:tr h="893697">
+                <a:tc>
+                  <a:txBody>
+                    <a:bodyPr/>
+                    <a:lstStyle/>
+                    <a:p>
+                      <a:pPr marL="0" lvl="0" indent="0" algn="l">
+                        <a:lnSpc>
+                          <a:spcPct val="110000"/>
+                        </a:lnSpc>
+                        <a:spcAft>
+                          <a:spcPts val="0"/>
+                        </a:spcAft>
+                        <a:buFont typeface="+mj-lt"/>
+                        <a:buNone/>
+                      </a:pPr>
+                      <a:r>
+                        <a:rPr lang="en-GB" sz="1400" dirty="0">
+                          <a:effectLst/>
+                          <a:latin typeface="Arial" panose="020B0604020202020204" pitchFamily="34" charset="0"/>
+                          <a:ea typeface="Times New Roman" panose="02020603050405020304" pitchFamily="18" charset="0"/>
+                          <a:cs typeface="Arial" panose="020B0604020202020204" pitchFamily="34" charset="0"/>
+                        </a:rPr>
+                        <a:t>Construction &amp; testing</a:t>
+                      </a:r>
+                      <a:endParaRPr lang="en-ZA" sz="1100" dirty="0">
+                        <a:effectLst/>
+                        <a:latin typeface="Arial" panose="020B0604020202020204" pitchFamily="34" charset="0"/>
+                        <a:ea typeface="Times New Roman" panose="02020603050405020304" pitchFamily="18" charset="0"/>
+                        <a:cs typeface="Arial" panose="020B0604020202020204" pitchFamily="34" charset="0"/>
+                      </a:endParaRPr>
+                    </a:p>
+                  </a:txBody>
+                  <a:tcPr marL="68580" marR="68580" marT="0" marB="0">
+                    <a:lnL w="12700" cap="flat" cmpd="sng" algn="ctr">
+                      <a:solidFill>
+                        <a:schemeClr val="tx1"/>
+                      </a:solidFill>
+                      <a:prstDash val="solid"/>
+                      <a:round/>
+                      <a:headEnd type="none" w="med" len="med"/>
+                      <a:tailEnd type="none" w="med" len="med"/>
+                    </a:lnL>
+                  </a:tcPr>
+                </a:tc>
+                <a:tc>
+                  <a:txBody>
+                    <a:bodyPr/>
+                    <a:lstStyle/>
+                    <a:p>
+                      <a:pPr marL="342900" lvl="0" indent="-342900" algn="l">
+                        <a:spcAft>
+                          <a:spcPts val="0"/>
+                        </a:spcAft>
+                        <a:buFont typeface="Symbol" panose="05050102010706020507" pitchFamily="18" charset="2"/>
+                        <a:buChar char=""/>
+                        <a:tabLst>
+                          <a:tab pos="228600" algn="l"/>
+                        </a:tabLst>
+                      </a:pPr>
+                      <a:r>
+                        <a:rPr lang="en-GB" sz="1200" b="0" dirty="0">
+                          <a:effectLst/>
+                          <a:latin typeface="Arial" panose="020B0604020202020204" pitchFamily="34" charset="0"/>
+                          <a:ea typeface="Times New Roman" panose="02020603050405020304" pitchFamily="18" charset="0"/>
+                          <a:cs typeface="Arial" panose="020B0604020202020204" pitchFamily="34" charset="0"/>
+                        </a:rPr>
+                        <a:t>Database</a:t>
+                      </a:r>
+                      <a:endParaRPr lang="en-ZA" sz="1800" b="1" dirty="0">
+                        <a:effectLst/>
+                        <a:latin typeface="Arial" panose="020B0604020202020204" pitchFamily="34" charset="0"/>
+                        <a:ea typeface="Times New Roman" panose="02020603050405020304" pitchFamily="18" charset="0"/>
+                        <a:cs typeface="Arial" panose="020B0604020202020204" pitchFamily="34" charset="0"/>
+                      </a:endParaRPr>
+                    </a:p>
+                    <a:p>
+                      <a:pPr marL="342900" lvl="0" indent="-342900" algn="l">
+                        <a:spcAft>
+                          <a:spcPts val="0"/>
+                        </a:spcAft>
+                        <a:buFont typeface="Symbol" panose="05050102010706020507" pitchFamily="18" charset="2"/>
+                        <a:buChar char=""/>
+                        <a:tabLst>
+                          <a:tab pos="228600" algn="l"/>
+                        </a:tabLst>
+                      </a:pPr>
+                      <a:r>
+                        <a:rPr lang="en-GB" sz="1200" b="0" dirty="0">
+                          <a:effectLst/>
+                          <a:latin typeface="Arial" panose="020B0604020202020204" pitchFamily="34" charset="0"/>
+                          <a:ea typeface="Times New Roman" panose="02020603050405020304" pitchFamily="18" charset="0"/>
+                          <a:cs typeface="Arial" panose="020B0604020202020204" pitchFamily="34" charset="0"/>
+                        </a:rPr>
+                        <a:t>Custom-built software</a:t>
+                      </a:r>
+                      <a:endParaRPr lang="en-ZA" sz="1800" b="1" dirty="0">
+                        <a:effectLst/>
+                        <a:latin typeface="Arial" panose="020B0604020202020204" pitchFamily="34" charset="0"/>
+                        <a:ea typeface="Times New Roman" panose="02020603050405020304" pitchFamily="18" charset="0"/>
+                        <a:cs typeface="Arial" panose="020B0604020202020204" pitchFamily="34" charset="0"/>
+                      </a:endParaRPr>
+                    </a:p>
+                    <a:p>
+                      <a:pPr marL="342900" lvl="0" indent="-342900" algn="l">
+                        <a:spcAft>
+                          <a:spcPts val="0"/>
+                        </a:spcAft>
+                        <a:buFont typeface="Symbol" panose="05050102010706020507" pitchFamily="18" charset="2"/>
+                        <a:buChar char=""/>
+                        <a:tabLst>
+                          <a:tab pos="228600" algn="l"/>
+                        </a:tabLst>
+                      </a:pPr>
+                      <a:r>
+                        <a:rPr lang="en-GB" sz="1200" b="0" dirty="0">
+                          <a:effectLst/>
+                          <a:latin typeface="Arial" panose="020B0604020202020204" pitchFamily="34" charset="0"/>
+                          <a:ea typeface="Times New Roman" panose="02020603050405020304" pitchFamily="18" charset="0"/>
+                          <a:cs typeface="Arial" panose="020B0604020202020204" pitchFamily="34" charset="0"/>
+                        </a:rPr>
+                        <a:t>User Interfaces (Windows or Web)</a:t>
+                      </a:r>
+                      <a:endParaRPr lang="en-ZA" sz="1800" b="1" dirty="0">
+                        <a:effectLst/>
+                        <a:latin typeface="Arial" panose="020B0604020202020204" pitchFamily="34" charset="0"/>
+                        <a:ea typeface="Times New Roman" panose="02020603050405020304" pitchFamily="18" charset="0"/>
+                        <a:cs typeface="Arial" panose="020B0604020202020204" pitchFamily="34" charset="0"/>
+                      </a:endParaRPr>
+                    </a:p>
+                    <a:p>
+                      <a:pPr marL="342900" lvl="0" indent="-342900" algn="l">
+                        <a:spcAft>
+                          <a:spcPts val="0"/>
+                        </a:spcAft>
+                        <a:buFont typeface="Symbol" panose="05050102010706020507" pitchFamily="18" charset="2"/>
+                        <a:buChar char=""/>
+                        <a:tabLst>
+                          <a:tab pos="228600" algn="l"/>
+                        </a:tabLst>
+                      </a:pPr>
+                      <a:r>
+                        <a:rPr lang="en-GB" sz="1200" b="0" dirty="0">
+                          <a:effectLst/>
+                          <a:latin typeface="Arial" panose="020B0604020202020204" pitchFamily="34" charset="0"/>
+                          <a:ea typeface="Times New Roman" panose="02020603050405020304" pitchFamily="18" charset="0"/>
+                          <a:cs typeface="Arial" panose="020B0604020202020204" pitchFamily="34" charset="0"/>
+                        </a:rPr>
+                        <a:t>Test plan</a:t>
+                      </a:r>
+                      <a:endParaRPr lang="en-ZA" sz="1800" b="1" dirty="0">
+                        <a:effectLst/>
+                        <a:latin typeface="Arial" panose="020B0604020202020204" pitchFamily="34" charset="0"/>
+                        <a:ea typeface="Times New Roman" panose="02020603050405020304" pitchFamily="18" charset="0"/>
+                        <a:cs typeface="Arial" panose="020B0604020202020204" pitchFamily="34" charset="0"/>
+                      </a:endParaRPr>
+                    </a:p>
+                    <a:p>
+                      <a:pPr>
+                        <a:lnSpc>
+                          <a:spcPct val="115000"/>
+                        </a:lnSpc>
+                        <a:spcAft>
+                          <a:spcPts val="0"/>
+                        </a:spcAft>
+                      </a:pPr>
+                      <a:r>
+                        <a:rPr lang="en-GB" sz="1200" dirty="0">
+                          <a:effectLst/>
+                          <a:latin typeface="Arial" panose="020B0604020202020204" pitchFamily="34" charset="0"/>
+                          <a:ea typeface="Times New Roman" panose="02020603050405020304" pitchFamily="18" charset="0"/>
+                          <a:cs typeface="Arial" panose="020B0604020202020204" pitchFamily="34" charset="0"/>
+                        </a:rPr>
+                        <a:t> </a:t>
+                      </a:r>
+                      <a:endParaRPr lang="en-ZA" sz="1050" dirty="0">
+                        <a:effectLst/>
+                        <a:latin typeface="Arial" panose="020B0604020202020204" pitchFamily="34" charset="0"/>
+                        <a:ea typeface="Times New Roman" panose="02020603050405020304" pitchFamily="18" charset="0"/>
+                        <a:cs typeface="Arial" panose="020B0604020202020204" pitchFamily="34" charset="0"/>
+                      </a:endParaRPr>
+                    </a:p>
+                  </a:txBody>
+                  <a:tcPr marL="68580" marR="68580" marT="0" marB="0"/>
+                </a:tc>
+                <a:tc>
+                  <a:txBody>
+                    <a:bodyPr/>
+                    <a:lstStyle/>
+                    <a:p>
+                      <a:pPr>
+                        <a:lnSpc>
+                          <a:spcPct val="110000"/>
+                        </a:lnSpc>
+                        <a:spcAft>
+                          <a:spcPts val="0"/>
+                        </a:spcAft>
+                      </a:pPr>
+                      <a:r>
+                        <a:rPr lang="en-GB" sz="1400" dirty="0">
+                          <a:solidFill>
+                            <a:srgbClr val="FF0000"/>
+                          </a:solidFill>
+                          <a:effectLst/>
+                          <a:latin typeface="Arial" panose="020B0604020202020204" pitchFamily="34" charset="0"/>
+                          <a:ea typeface="Times New Roman" panose="02020603050405020304" pitchFamily="18" charset="0"/>
+                          <a:cs typeface="Arial" panose="020B0604020202020204" pitchFamily="34" charset="0"/>
+                        </a:rPr>
+                        <a:t>Complete dates</a:t>
+                      </a:r>
+                      <a:endParaRPr lang="en-ZA" sz="1100" dirty="0">
+                        <a:effectLst/>
+                        <a:latin typeface="Arial" panose="020B0604020202020204" pitchFamily="34" charset="0"/>
+                        <a:ea typeface="Times New Roman" panose="02020603050405020304" pitchFamily="18" charset="0"/>
+                        <a:cs typeface="Arial" panose="020B0604020202020204" pitchFamily="34" charset="0"/>
+                      </a:endParaRPr>
+                    </a:p>
+                  </a:txBody>
+                  <a:tcPr marL="68580" marR="68580" marT="0" marB="0">
+                    <a:lnR w="12700" cap="flat" cmpd="sng" algn="ctr">
+                      <a:solidFill>
+                        <a:schemeClr val="tx1"/>
+                      </a:solidFill>
+                      <a:prstDash val="solid"/>
+                      <a:round/>
+                      <a:headEnd type="none" w="med" len="med"/>
+                      <a:tailEnd type="none" w="med" len="med"/>
+                    </a:lnR>
+                  </a:tcPr>
+                </a:tc>
+                <a:extLst>
+                  <a:ext uri="{0D108BD9-81ED-4DB2-BD59-A6C34878D82A}">
+                    <a16:rowId xmlns:a16="http://schemas.microsoft.com/office/drawing/2014/main" val="193723471"/>
+                  </a:ext>
+                </a:extLst>
+              </a:tr>
+              <a:tr h="996035">
+                <a:tc>
+                  <a:txBody>
+                    <a:bodyPr/>
+                    <a:lstStyle/>
+                    <a:p>
+                      <a:pPr marL="0" lvl="0" indent="0" algn="l">
+                        <a:lnSpc>
+                          <a:spcPct val="110000"/>
+                        </a:lnSpc>
+                        <a:spcAft>
+                          <a:spcPts val="0"/>
+                        </a:spcAft>
+                        <a:buFont typeface="+mj-lt"/>
+                        <a:buNone/>
+                      </a:pPr>
+                      <a:r>
+                        <a:rPr lang="en-GB" sz="1400" dirty="0">
+                          <a:effectLst/>
+                          <a:latin typeface="Arial" panose="020B0604020202020204" pitchFamily="34" charset="0"/>
+                          <a:ea typeface="Times New Roman" panose="02020603050405020304" pitchFamily="18" charset="0"/>
+                          <a:cs typeface="Arial" panose="020B0604020202020204" pitchFamily="34" charset="0"/>
+                        </a:rPr>
+                        <a:t>Installation</a:t>
+                      </a:r>
+                      <a:endParaRPr lang="en-ZA" sz="1100" dirty="0">
+                        <a:effectLst/>
+                        <a:latin typeface="Arial" panose="020B0604020202020204" pitchFamily="34" charset="0"/>
+                        <a:ea typeface="Times New Roman" panose="02020603050405020304" pitchFamily="18" charset="0"/>
+                        <a:cs typeface="Arial" panose="020B0604020202020204" pitchFamily="34" charset="0"/>
+                      </a:endParaRPr>
+                    </a:p>
+                  </a:txBody>
+                  <a:tcPr marL="68580" marR="68580" marT="0" marB="0">
+                    <a:lnL w="12700" cap="flat" cmpd="sng" algn="ctr">
+                      <a:solidFill>
+                        <a:schemeClr val="tx1"/>
+                      </a:solidFill>
+                      <a:prstDash val="solid"/>
+                      <a:round/>
+                      <a:headEnd type="none" w="med" len="med"/>
+                      <a:tailEnd type="none" w="med" len="med"/>
+                    </a:lnL>
+                    <a:lnB w="12700" cap="flat" cmpd="sng" algn="ctr">
+                      <a:solidFill>
+                        <a:schemeClr val="tx1"/>
+                      </a:solidFill>
+                      <a:prstDash val="solid"/>
+                      <a:round/>
+                      <a:headEnd type="none" w="med" len="med"/>
+                      <a:tailEnd type="none" w="med" len="med"/>
+                    </a:lnB>
+                  </a:tcPr>
+                </a:tc>
+                <a:tc>
+                  <a:txBody>
+                    <a:bodyPr/>
+                    <a:lstStyle/>
+                    <a:p>
+                      <a:pPr marL="342900" lvl="0" indent="-342900" algn="l">
+                        <a:spcAft>
+                          <a:spcPts val="0"/>
+                        </a:spcAft>
+                        <a:buFont typeface="Symbol" panose="05050102010706020507" pitchFamily="18" charset="2"/>
+                        <a:buChar char=""/>
+                        <a:tabLst>
+                          <a:tab pos="228600" algn="l"/>
+                        </a:tabLst>
+                      </a:pPr>
+                      <a:r>
+                        <a:rPr lang="en-GB" sz="1200" b="0" dirty="0">
+                          <a:effectLst/>
+                          <a:latin typeface="Arial" panose="020B0604020202020204" pitchFamily="34" charset="0"/>
+                          <a:ea typeface="Times New Roman" panose="02020603050405020304" pitchFamily="18" charset="0"/>
+                          <a:cs typeface="Arial" panose="020B0604020202020204" pitchFamily="34" charset="0"/>
+                        </a:rPr>
+                        <a:t>An operational system</a:t>
+                      </a:r>
+                      <a:endParaRPr lang="en-ZA" sz="1800" b="1" dirty="0">
+                        <a:effectLst/>
+                        <a:latin typeface="Arial" panose="020B0604020202020204" pitchFamily="34" charset="0"/>
+                        <a:ea typeface="Times New Roman" panose="02020603050405020304" pitchFamily="18" charset="0"/>
+                        <a:cs typeface="Arial" panose="020B0604020202020204" pitchFamily="34" charset="0"/>
+                      </a:endParaRPr>
+                    </a:p>
+                    <a:p>
+                      <a:pPr marL="342900" lvl="0" indent="-342900" algn="l">
+                        <a:spcAft>
+                          <a:spcPts val="0"/>
+                        </a:spcAft>
+                        <a:buFont typeface="Symbol" panose="05050102010706020507" pitchFamily="18" charset="2"/>
+                        <a:buChar char=""/>
+                        <a:tabLst>
+                          <a:tab pos="228600" algn="l"/>
+                        </a:tabLst>
+                      </a:pPr>
+                      <a:r>
+                        <a:rPr lang="en-GB" sz="1200" b="0" dirty="0">
+                          <a:effectLst/>
+                          <a:latin typeface="Arial" panose="020B0604020202020204" pitchFamily="34" charset="0"/>
+                          <a:ea typeface="Times New Roman" panose="02020603050405020304" pitchFamily="18" charset="0"/>
+                          <a:cs typeface="Arial" panose="020B0604020202020204" pitchFamily="34" charset="0"/>
+                        </a:rPr>
+                        <a:t>Operation manual</a:t>
+                      </a:r>
+                      <a:endParaRPr lang="en-ZA" sz="1800" b="1" dirty="0">
+                        <a:effectLst/>
+                        <a:latin typeface="Arial" panose="020B0604020202020204" pitchFamily="34" charset="0"/>
+                        <a:ea typeface="Times New Roman" panose="02020603050405020304" pitchFamily="18" charset="0"/>
+                        <a:cs typeface="Arial" panose="020B0604020202020204" pitchFamily="34" charset="0"/>
+                      </a:endParaRPr>
+                    </a:p>
+                    <a:p>
+                      <a:pPr marL="342900" lvl="0" indent="-342900" algn="l">
+                        <a:spcAft>
+                          <a:spcPts val="0"/>
+                        </a:spcAft>
+                        <a:buFont typeface="Symbol" panose="05050102010706020507" pitchFamily="18" charset="2"/>
+                        <a:buChar char=""/>
+                        <a:tabLst>
+                          <a:tab pos="228600" algn="l"/>
+                        </a:tabLst>
+                      </a:pPr>
+                      <a:r>
+                        <a:rPr lang="en-GB" sz="1200" b="0" dirty="0">
+                          <a:effectLst/>
+                          <a:latin typeface="Arial" panose="020B0604020202020204" pitchFamily="34" charset="0"/>
+                          <a:ea typeface="Times New Roman" panose="02020603050405020304" pitchFamily="18" charset="0"/>
+                          <a:cs typeface="Arial" panose="020B0604020202020204" pitchFamily="34" charset="0"/>
+                        </a:rPr>
+                        <a:t>Documented quality review</a:t>
+                      </a:r>
+                      <a:endParaRPr lang="en-ZA" sz="1800" b="1" dirty="0">
+                        <a:effectLst/>
+                        <a:latin typeface="Arial" panose="020B0604020202020204" pitchFamily="34" charset="0"/>
+                        <a:ea typeface="Times New Roman" panose="02020603050405020304" pitchFamily="18" charset="0"/>
+                        <a:cs typeface="Arial" panose="020B0604020202020204" pitchFamily="34" charset="0"/>
+                      </a:endParaRPr>
+                    </a:p>
+                    <a:p>
+                      <a:pPr marL="342900" lvl="0" indent="-342900" algn="l">
+                        <a:spcAft>
+                          <a:spcPts val="0"/>
+                        </a:spcAft>
+                        <a:buFont typeface="Symbol" panose="05050102010706020507" pitchFamily="18" charset="2"/>
+                        <a:buChar char=""/>
+                        <a:tabLst>
+                          <a:tab pos="228600" algn="l"/>
+                        </a:tabLst>
+                      </a:pPr>
+                      <a:r>
+                        <a:rPr lang="en-GB" sz="1200" b="0" dirty="0">
+                          <a:effectLst/>
+                          <a:latin typeface="Arial" panose="020B0604020202020204" pitchFamily="34" charset="0"/>
+                          <a:ea typeface="Times New Roman" panose="02020603050405020304" pitchFamily="18" charset="0"/>
+                          <a:cs typeface="Arial" panose="020B0604020202020204" pitchFamily="34" charset="0"/>
+                        </a:rPr>
+                        <a:t>Updated logical and physical system models</a:t>
+                      </a:r>
+                      <a:endParaRPr lang="en-ZA" sz="1800" b="1" dirty="0">
+                        <a:effectLst/>
+                        <a:latin typeface="Arial" panose="020B0604020202020204" pitchFamily="34" charset="0"/>
+                        <a:ea typeface="Times New Roman" panose="02020603050405020304" pitchFamily="18" charset="0"/>
+                        <a:cs typeface="Arial" panose="020B0604020202020204" pitchFamily="34" charset="0"/>
+                      </a:endParaRPr>
+                    </a:p>
+                    <a:p>
+                      <a:pPr>
+                        <a:lnSpc>
+                          <a:spcPct val="115000"/>
+                        </a:lnSpc>
+                        <a:spcAft>
+                          <a:spcPts val="0"/>
+                        </a:spcAft>
+                      </a:pPr>
+                      <a:r>
+                        <a:rPr lang="en-GB" sz="1200" dirty="0">
+                          <a:effectLst/>
+                          <a:latin typeface="Arial" panose="020B0604020202020204" pitchFamily="34" charset="0"/>
+                          <a:ea typeface="Times New Roman" panose="02020603050405020304" pitchFamily="18" charset="0"/>
+                          <a:cs typeface="Arial" panose="020B0604020202020204" pitchFamily="34" charset="0"/>
+                        </a:rPr>
+                        <a:t> </a:t>
+                      </a:r>
+                      <a:endParaRPr lang="en-ZA" sz="1050" dirty="0">
+                        <a:effectLst/>
+                        <a:latin typeface="Arial" panose="020B0604020202020204" pitchFamily="34" charset="0"/>
+                        <a:ea typeface="Times New Roman" panose="02020603050405020304" pitchFamily="18" charset="0"/>
+                        <a:cs typeface="Arial" panose="020B0604020202020204" pitchFamily="34" charset="0"/>
+                      </a:endParaRPr>
+                    </a:p>
+                  </a:txBody>
+                  <a:tcPr marL="68580" marR="68580" marT="0" marB="0">
+                    <a:lnB w="12700" cap="flat" cmpd="sng" algn="ctr">
+                      <a:solidFill>
+                        <a:schemeClr val="tx1"/>
+                      </a:solidFill>
+                      <a:prstDash val="solid"/>
+                      <a:round/>
+                      <a:headEnd type="none" w="med" len="med"/>
+                      <a:tailEnd type="none" w="med" len="med"/>
+                    </a:lnB>
+                  </a:tcPr>
+                </a:tc>
+                <a:tc>
+                  <a:txBody>
+                    <a:bodyPr/>
+                    <a:lstStyle/>
+                    <a:p>
+                      <a:pPr>
+                        <a:lnSpc>
+                          <a:spcPct val="110000"/>
+                        </a:lnSpc>
+                        <a:spcAft>
+                          <a:spcPts val="0"/>
+                        </a:spcAft>
+                      </a:pPr>
+                      <a:r>
+                        <a:rPr lang="en-GB" sz="1400" dirty="0">
+                          <a:solidFill>
+                            <a:srgbClr val="FF0000"/>
+                          </a:solidFill>
+                          <a:effectLst/>
+                          <a:latin typeface="Arial" panose="020B0604020202020204" pitchFamily="34" charset="0"/>
+                          <a:ea typeface="Times New Roman" panose="02020603050405020304" pitchFamily="18" charset="0"/>
+                          <a:cs typeface="Arial" panose="020B0604020202020204" pitchFamily="34" charset="0"/>
+                        </a:rPr>
+                        <a:t>Complete dates</a:t>
+                      </a:r>
+                      <a:endParaRPr lang="en-ZA" sz="1100" dirty="0">
+                        <a:effectLst/>
+                        <a:latin typeface="Arial" panose="020B0604020202020204" pitchFamily="34" charset="0"/>
+                        <a:ea typeface="Times New Roman" panose="02020603050405020304" pitchFamily="18" charset="0"/>
+                        <a:cs typeface="Arial" panose="020B0604020202020204" pitchFamily="34" charset="0"/>
+                      </a:endParaRPr>
+                    </a:p>
+                  </a:txBody>
+                  <a:tcPr marL="68580" marR="68580" marT="0" marB="0">
+                    <a:lnR w="12700" cap="flat" cmpd="sng" algn="ctr">
+                      <a:solidFill>
+                        <a:schemeClr val="tx1"/>
+                      </a:solidFill>
+                      <a:prstDash val="solid"/>
+                      <a:round/>
+                      <a:headEnd type="none" w="med" len="med"/>
+                      <a:tailEnd type="none" w="med" len="med"/>
+                    </a:lnR>
+                    <a:lnB w="12700" cap="flat" cmpd="sng" algn="ctr">
+                      <a:solidFill>
+                        <a:schemeClr val="tx1"/>
+                      </a:solidFill>
+                      <a:prstDash val="solid"/>
+                      <a:round/>
+                      <a:headEnd type="none" w="med" len="med"/>
+                      <a:tailEnd type="none" w="med" len="med"/>
+                    </a:lnB>
+                  </a:tcPr>
+                </a:tc>
+                <a:extLst>
+                  <a:ext uri="{0D108BD9-81ED-4DB2-BD59-A6C34878D82A}">
+                    <a16:rowId xmlns:a16="http://schemas.microsoft.com/office/drawing/2014/main" val="3379242264"/>
+                  </a:ext>
+                </a:extLst>
+              </a:tr>
+            </a:tbl>
+          </a:graphicData>
+        </a:graphic>
+      </p:graphicFrame>
     </p:spTree>
     <p:extLst>
       <p:ext uri="{BB962C8B-B14F-4D97-AF65-F5344CB8AC3E}">

--- a/Proposal_for_the_restaurant_ordering_amalgamation_system.pptx
+++ b/Proposal_for_the_restaurant_ordering_amalgamation_system.pptx
@@ -15,7 +15,6 @@
     <p:sldId id="263" r:id="rId9"/>
     <p:sldId id="264" r:id="rId10"/>
     <p:sldId id="265" r:id="rId11"/>
-    <p:sldId id="266" r:id="rId12"/>
   </p:sldIdLst>
   <p:sldSz cx="12192000" cy="6858000"/>
   <p:notesSz cx="6858000" cy="9144000"/>
@@ -217,7 +216,7 @@
           <a:effectLst/>
           <a:extLst>
             <a:ext uri="{91240B29-F687-4f45-9708-019B960494DF}">
-              <a14:hiddenLine xmlns:a14="http://schemas.microsoft.com/office/drawing/2010/main" xmlns="" w="9525">
+              <a14:hiddenLine xmlns="" xmlns:a14="http://schemas.microsoft.com/office/drawing/2010/main" w="9525">
                 <a:solidFill>
                   <a:srgbClr val="000000"/>
                 </a:solidFill>
@@ -410,7 +409,7 @@
             <a:fld id="{08B9EBBA-996F-894A-B54A-D6246ED52CEA}" type="datetimeFigureOut">
               <a:rPr lang="en-US" dirty="0"/>
               <a:pPr/>
-              <a:t>2/21/2019</a:t>
+              <a:t>2/23/2019</a:t>
             </a:fld>
             <a:endParaRPr lang="en-US" dirty="0"/>
           </a:p>
@@ -725,7 +724,7 @@
             <a:fld id="{18C79C5D-2A6F-F04D-97DA-BEF2467B64E4}" type="datetimeFigureOut">
               <a:rPr lang="en-US" dirty="0"/>
               <a:pPr/>
-              <a:t>2/21/2019</a:t>
+              <a:t>2/23/2019</a:t>
             </a:fld>
             <a:endParaRPr lang="en-US" dirty="0"/>
           </a:p>
@@ -1210,7 +1209,7 @@
             <a:fld id="{8DFA1846-DA80-1C48-A609-854EA85C59AD}" type="datetimeFigureOut">
               <a:rPr lang="en-US" dirty="0"/>
               <a:pPr/>
-              <a:t>2/21/2019</a:t>
+              <a:t>2/23/2019</a:t>
             </a:fld>
             <a:endParaRPr lang="en-US" dirty="0"/>
           </a:p>
@@ -1576,7 +1575,7 @@
             <a:fld id="{FBF54567-0DE4-3F47-BF90-CB84690072F9}" type="datetimeFigureOut">
               <a:rPr lang="en-US" dirty="0"/>
               <a:pPr/>
-              <a:t>2/21/2019</a:t>
+              <a:t>2/23/2019</a:t>
             </a:fld>
             <a:endParaRPr lang="en-US" dirty="0"/>
           </a:p>
@@ -1727,7 +1726,7 @@
           <a:ln/>
           <a:extLst>
             <a:ext uri="{91240B29-F687-4f45-9708-019B960494DF}">
-              <a14:hiddenLine xmlns:a14="http://schemas.microsoft.com/office/drawing/2010/main" xmlns="" w="9525">
+              <a14:hiddenLine xmlns="" xmlns:a14="http://schemas.microsoft.com/office/drawing/2010/main" w="9525">
                 <a:solidFill>
                   <a:srgbClr val="000000"/>
                 </a:solidFill>
@@ -1846,7 +1845,7 @@
             <a:fld id="{C6C52C72-DE31-F449-A4ED-4C594FD91407}" type="datetimeFigureOut">
               <a:rPr lang="en-US" dirty="0"/>
               <a:pPr/>
-              <a:t>2/21/2019</a:t>
+              <a:t>2/23/2019</a:t>
             </a:fld>
             <a:endParaRPr lang="en-US" dirty="0"/>
           </a:p>
@@ -1999,7 +1998,7 @@
           <a:ln/>
           <a:extLst>
             <a:ext uri="{91240B29-F687-4f45-9708-019B960494DF}">
-              <a14:hiddenLine xmlns:a14="http://schemas.microsoft.com/office/drawing/2010/main" xmlns="" w="9525">
+              <a14:hiddenLine xmlns="" xmlns:a14="http://schemas.microsoft.com/office/drawing/2010/main" w="9525">
                 <a:solidFill>
                   <a:srgbClr val="000000"/>
                 </a:solidFill>
@@ -2128,7 +2127,7 @@
             <a:fld id="{ED62726E-379B-B349-9EED-81ED093FA806}" type="datetimeFigureOut">
               <a:rPr lang="en-US" dirty="0"/>
               <a:pPr/>
-              <a:t>2/21/2019</a:t>
+              <a:t>2/23/2019</a:t>
             </a:fld>
             <a:endParaRPr lang="en-US" dirty="0"/>
           </a:p>
@@ -2279,7 +2278,7 @@
           <a:ln/>
           <a:extLst>
             <a:ext uri="{91240B29-F687-4f45-9708-019B960494DF}">
-              <a14:hiddenLine xmlns:a14="http://schemas.microsoft.com/office/drawing/2010/main" xmlns="" w="9525">
+              <a14:hiddenLine xmlns="" xmlns:a14="http://schemas.microsoft.com/office/drawing/2010/main" w="9525">
                 <a:solidFill>
                   <a:srgbClr val="000000"/>
                 </a:solidFill>
@@ -2408,7 +2407,7 @@
             <a:fld id="{9B3A1323-8D79-1946-B0D7-40001CF92E9D}" type="datetimeFigureOut">
               <a:rPr lang="en-US" dirty="0"/>
               <a:pPr/>
-              <a:t>2/21/2019</a:t>
+              <a:t>2/23/2019</a:t>
             </a:fld>
             <a:endParaRPr lang="en-US" dirty="0"/>
           </a:p>
@@ -2748,7 +2747,7 @@
             <a:fld id="{8DFA1846-DA80-1C48-A609-854EA85C59AD}" type="datetimeFigureOut">
               <a:rPr lang="en-US" dirty="0"/>
               <a:pPr/>
-              <a:t>2/21/2019</a:t>
+              <a:t>2/23/2019</a:t>
             </a:fld>
             <a:endParaRPr lang="en-US" dirty="0"/>
           </a:p>
@@ -2899,7 +2898,7 @@
           <a:ln/>
           <a:extLst>
             <a:ext uri="{91240B29-F687-4f45-9708-019B960494DF}">
-              <a14:hiddenLine xmlns:a14="http://schemas.microsoft.com/office/drawing/2010/main" xmlns="" w="9525">
+              <a14:hiddenLine xmlns="" xmlns:a14="http://schemas.microsoft.com/office/drawing/2010/main" w="9525">
                 <a:solidFill>
                   <a:srgbClr val="000000"/>
                 </a:solidFill>
@@ -3084,7 +3083,7 @@
             <a:fld id="{57302355-E14B-8545-A8F8-0FE83CC9D524}" type="datetimeFigureOut">
               <a:rPr lang="en-US" dirty="0"/>
               <a:pPr/>
-              <a:t>2/21/2019</a:t>
+              <a:t>2/23/2019</a:t>
             </a:fld>
             <a:endParaRPr lang="en-US" dirty="0"/>
           </a:p>
@@ -3235,7 +3234,7 @@
           <a:ln/>
           <a:extLst>
             <a:ext uri="{91240B29-F687-4f45-9708-019B960494DF}">
-              <a14:hiddenLine xmlns:a14="http://schemas.microsoft.com/office/drawing/2010/main" xmlns="" w="9525">
+              <a14:hiddenLine xmlns="" xmlns:a14="http://schemas.microsoft.com/office/drawing/2010/main" w="9525">
                 <a:solidFill>
                   <a:srgbClr val="000000"/>
                 </a:solidFill>
@@ -3558,7 +3557,7 @@
             <a:fld id="{02640F58-564D-2B4F-AE67-E407BA4FCF45}" type="datetimeFigureOut">
               <a:rPr lang="en-US" dirty="0"/>
               <a:pPr/>
-              <a:t>2/21/2019</a:t>
+              <a:t>2/23/2019</a:t>
             </a:fld>
             <a:endParaRPr lang="en-US" dirty="0"/>
           </a:p>
@@ -3709,7 +3708,7 @@
           <a:ln/>
           <a:extLst>
             <a:ext uri="{91240B29-F687-4f45-9708-019B960494DF}">
-              <a14:hiddenLine xmlns:a14="http://schemas.microsoft.com/office/drawing/2010/main" xmlns="" w="9525">
+              <a14:hiddenLine xmlns="" xmlns:a14="http://schemas.microsoft.com/office/drawing/2010/main" w="9525">
                 <a:solidFill>
                   <a:srgbClr val="000000"/>
                 </a:solidFill>
@@ -3776,7 +3775,7 @@
             <a:fld id="{F13A34C8-038E-2045-AF43-DF7DBB8E0E9E}" type="datetimeFigureOut">
               <a:rPr lang="en-US" dirty="0"/>
               <a:pPr/>
-              <a:t>2/21/2019</a:t>
+              <a:t>2/23/2019</a:t>
             </a:fld>
             <a:endParaRPr lang="en-US" dirty="0"/>
           </a:p>
@@ -3868,7 +3867,7 @@
             <a:fld id="{8818C68F-D26B-8F47-958C-23B49CF8A634}" type="datetimeFigureOut">
               <a:rPr lang="en-US" dirty="0"/>
               <a:pPr/>
-              <a:t>2/21/2019</a:t>
+              <a:t>2/23/2019</a:t>
             </a:fld>
             <a:endParaRPr lang="en-US" dirty="0"/>
           </a:p>
@@ -4132,7 +4131,7 @@
           <a:ln/>
           <a:extLst>
             <a:ext uri="{91240B29-F687-4f45-9708-019B960494DF}">
-              <a14:hiddenLine xmlns:a14="http://schemas.microsoft.com/office/drawing/2010/main" xmlns="" w="9525">
+              <a14:hiddenLine xmlns="" xmlns:a14="http://schemas.microsoft.com/office/drawing/2010/main" w="9525">
                 <a:solidFill>
                   <a:srgbClr val="000000"/>
                 </a:solidFill>
@@ -4332,7 +4331,7 @@
             <a:fld id="{D0DF5E60-9974-AC48-9591-99C2BB44B7CF}" type="datetimeFigureOut">
               <a:rPr lang="en-US" dirty="0"/>
               <a:pPr/>
-              <a:t>2/21/2019</a:t>
+              <a:t>2/23/2019</a:t>
             </a:fld>
             <a:endParaRPr lang="en-US" dirty="0"/>
           </a:p>
@@ -4642,7 +4641,7 @@
             <a:fld id="{18C79C5D-2A6F-F04D-97DA-BEF2467B64E4}" type="datetimeFigureOut">
               <a:rPr lang="en-US" dirty="0"/>
               <a:pPr/>
-              <a:t>2/21/2019</a:t>
+              <a:t>2/23/2019</a:t>
             </a:fld>
             <a:endParaRPr lang="en-US" dirty="0"/>
           </a:p>
@@ -4909,7 +4908,7 @@
             <a:fld id="{09B482E8-6E0E-1B4F-B1FD-C69DB9E858D9}" type="datetimeFigureOut">
               <a:rPr lang="en-US" dirty="0"/>
               <a:pPr/>
-              <a:t>2/21/2019</a:t>
+              <a:t>2/23/2019</a:t>
             </a:fld>
             <a:endParaRPr lang="en-US" dirty="0"/>
           </a:p>
@@ -5504,74 +5503,6 @@
 </p:sld>
 </file>
 
-<file path=ppt/slides/slide11.xml><?xml version="1.0" encoding="utf-8"?>
-<p:sld xmlns:a="http://schemas.openxmlformats.org/drawingml/2006/main" xmlns:r="http://schemas.openxmlformats.org/officeDocument/2006/relationships" xmlns:p="http://schemas.openxmlformats.org/presentationml/2006/main">
-  <p:cSld>
-    <p:spTree>
-      <p:nvGrpSpPr>
-        <p:cNvPr id="1" name=""/>
-        <p:cNvGrpSpPr/>
-        <p:nvPr/>
-      </p:nvGrpSpPr>
-      <p:grpSpPr>
-        <a:xfrm>
-          <a:off x="0" y="0"/>
-          <a:ext cx="0" cy="0"/>
-          <a:chOff x="0" y="0"/>
-          <a:chExt cx="0" cy="0"/>
-        </a:xfrm>
-      </p:grpSpPr>
-      <p:sp>
-        <p:nvSpPr>
-          <p:cNvPr id="2" name="Title 1"/>
-          <p:cNvSpPr>
-            <a:spLocks noGrp="1"/>
-          </p:cNvSpPr>
-          <p:nvPr>
-            <p:ph type="title"/>
-          </p:nvPr>
-        </p:nvSpPr>
-        <p:spPr/>
-        <p:txBody>
-          <a:bodyPr/>
-          <a:lstStyle/>
-          <a:p>
-            <a:endParaRPr lang="en-ZA"/>
-          </a:p>
-        </p:txBody>
-      </p:sp>
-      <p:sp>
-        <p:nvSpPr>
-          <p:cNvPr id="3" name="Content Placeholder 2"/>
-          <p:cNvSpPr>
-            <a:spLocks noGrp="1"/>
-          </p:cNvSpPr>
-          <p:nvPr>
-            <p:ph idx="1"/>
-          </p:nvPr>
-        </p:nvSpPr>
-        <p:spPr/>
-        <p:txBody>
-          <a:bodyPr/>
-          <a:lstStyle/>
-          <a:p>
-            <a:endParaRPr lang="en-ZA"/>
-          </a:p>
-        </p:txBody>
-      </p:sp>
-    </p:spTree>
-    <p:extLst>
-      <p:ext uri="{BB962C8B-B14F-4D97-AF65-F5344CB8AC3E}">
-        <p14:creationId xmlns:p14="http://schemas.microsoft.com/office/powerpoint/2010/main" val="2715545932"/>
-      </p:ext>
-    </p:extLst>
-  </p:cSld>
-  <p:clrMapOvr>
-    <a:masterClrMapping/>
-  </p:clrMapOvr>
-</p:sld>
-</file>
-
 <file path=ppt/slides/slide2.xml><?xml version="1.0" encoding="utf-8"?>
 <p:sld xmlns:a="http://schemas.openxmlformats.org/drawingml/2006/main" xmlns:r="http://schemas.openxmlformats.org/officeDocument/2006/relationships" xmlns:p="http://schemas.openxmlformats.org/presentationml/2006/main">
   <p:cSld>
@@ -6361,7 +6292,7 @@
         </p:nvGraphicFramePr>
         <p:xfrm>
           <a:off x="1021968" y="1327742"/>
-          <a:ext cx="10148064" cy="5375931"/>
+          <a:ext cx="10148064" cy="5425600"/>
         </p:xfrm>
         <a:graphic>
           <a:graphicData uri="http://schemas.openxmlformats.org/drawingml/2006/table">

--- a/Proposal_for_the_restaurant_ordering_amalgamation_system.pptx
+++ b/Proposal_for_the_restaurant_ordering_amalgamation_system.pptx
@@ -216,7 +216,7 @@
           <a:effectLst/>
           <a:extLst>
             <a:ext uri="{91240B29-F687-4f45-9708-019B960494DF}">
-              <a14:hiddenLine xmlns="" xmlns:a14="http://schemas.microsoft.com/office/drawing/2010/main" w="9525">
+              <a14:hiddenLine xmlns:a14="http://schemas.microsoft.com/office/drawing/2010/main" xmlns="" w="9525">
                 <a:solidFill>
                   <a:srgbClr val="000000"/>
                 </a:solidFill>
@@ -1726,7 +1726,7 @@
           <a:ln/>
           <a:extLst>
             <a:ext uri="{91240B29-F687-4f45-9708-019B960494DF}">
-              <a14:hiddenLine xmlns="" xmlns:a14="http://schemas.microsoft.com/office/drawing/2010/main" w="9525">
+              <a14:hiddenLine xmlns:a14="http://schemas.microsoft.com/office/drawing/2010/main" xmlns="" w="9525">
                 <a:solidFill>
                   <a:srgbClr val="000000"/>
                 </a:solidFill>
@@ -1998,7 +1998,7 @@
           <a:ln/>
           <a:extLst>
             <a:ext uri="{91240B29-F687-4f45-9708-019B960494DF}">
-              <a14:hiddenLine xmlns="" xmlns:a14="http://schemas.microsoft.com/office/drawing/2010/main" w="9525">
+              <a14:hiddenLine xmlns:a14="http://schemas.microsoft.com/office/drawing/2010/main" xmlns="" w="9525">
                 <a:solidFill>
                   <a:srgbClr val="000000"/>
                 </a:solidFill>
@@ -2278,7 +2278,7 @@
           <a:ln/>
           <a:extLst>
             <a:ext uri="{91240B29-F687-4f45-9708-019B960494DF}">
-              <a14:hiddenLine xmlns="" xmlns:a14="http://schemas.microsoft.com/office/drawing/2010/main" w="9525">
+              <a14:hiddenLine xmlns:a14="http://schemas.microsoft.com/office/drawing/2010/main" xmlns="" w="9525">
                 <a:solidFill>
                   <a:srgbClr val="000000"/>
                 </a:solidFill>
@@ -2898,7 +2898,7 @@
           <a:ln/>
           <a:extLst>
             <a:ext uri="{91240B29-F687-4f45-9708-019B960494DF}">
-              <a14:hiddenLine xmlns="" xmlns:a14="http://schemas.microsoft.com/office/drawing/2010/main" w="9525">
+              <a14:hiddenLine xmlns:a14="http://schemas.microsoft.com/office/drawing/2010/main" xmlns="" w="9525">
                 <a:solidFill>
                   <a:srgbClr val="000000"/>
                 </a:solidFill>
@@ -3234,7 +3234,7 @@
           <a:ln/>
           <a:extLst>
             <a:ext uri="{91240B29-F687-4f45-9708-019B960494DF}">
-              <a14:hiddenLine xmlns="" xmlns:a14="http://schemas.microsoft.com/office/drawing/2010/main" w="9525">
+              <a14:hiddenLine xmlns:a14="http://schemas.microsoft.com/office/drawing/2010/main" xmlns="" w="9525">
                 <a:solidFill>
                   <a:srgbClr val="000000"/>
                 </a:solidFill>
@@ -3708,7 +3708,7 @@
           <a:ln/>
           <a:extLst>
             <a:ext uri="{91240B29-F687-4f45-9708-019B960494DF}">
-              <a14:hiddenLine xmlns="" xmlns:a14="http://schemas.microsoft.com/office/drawing/2010/main" w="9525">
+              <a14:hiddenLine xmlns:a14="http://schemas.microsoft.com/office/drawing/2010/main" xmlns="" w="9525">
                 <a:solidFill>
                   <a:srgbClr val="000000"/>
                 </a:solidFill>
@@ -4131,7 +4131,7 @@
           <a:ln/>
           <a:extLst>
             <a:ext uri="{91240B29-F687-4f45-9708-019B960494DF}">
-              <a14:hiddenLine xmlns="" xmlns:a14="http://schemas.microsoft.com/office/drawing/2010/main" w="9525">
+              <a14:hiddenLine xmlns:a14="http://schemas.microsoft.com/office/drawing/2010/main" xmlns="" w="9525">
                 <a:solidFill>
                   <a:srgbClr val="000000"/>
                 </a:solidFill>
@@ -6257,25 +6257,6 @@
           </a:p>
         </p:txBody>
       </p:sp>
-      <p:sp>
-        <p:nvSpPr>
-          <p:cNvPr id="3" name="Content Placeholder 2"/>
-          <p:cNvSpPr>
-            <a:spLocks noGrp="1"/>
-          </p:cNvSpPr>
-          <p:nvPr>
-            <p:ph idx="1"/>
-          </p:nvPr>
-        </p:nvSpPr>
-        <p:spPr/>
-        <p:txBody>
-          <a:bodyPr/>
-          <a:lstStyle/>
-          <a:p>
-            <a:endParaRPr lang="en-ZA"/>
-          </a:p>
-        </p:txBody>
-      </p:sp>
       <p:graphicFrame>
         <p:nvGraphicFramePr>
           <p:cNvPr id="4" name="Content Placeholder 3"/>
@@ -6285,14 +6266,14 @@
           <p:nvPr>
             <p:extLst>
               <p:ext uri="{D42A27DB-BD31-4B8C-83A1-F6EECF244321}">
-                <p14:modId xmlns:p14="http://schemas.microsoft.com/office/powerpoint/2010/main" val="2627197427"/>
+                <p14:modId xmlns:p14="http://schemas.microsoft.com/office/powerpoint/2010/main" val="56988737"/>
               </p:ext>
             </p:extLst>
           </p:nvPr>
         </p:nvGraphicFramePr>
         <p:xfrm>
-          <a:off x="1021968" y="1327742"/>
-          <a:ext cx="10148064" cy="5425600"/>
+          <a:off x="1021967" y="1482501"/>
+          <a:ext cx="10148064" cy="4855069"/>
         </p:xfrm>
         <a:graphic>
           <a:graphicData uri="http://schemas.openxmlformats.org/drawingml/2006/table">
@@ -6323,7 +6304,7 @@
                   </a:extLst>
                 </a:gridCol>
               </a:tblGrid>
-              <a:tr h="474640">
+              <a:tr h="426605">
                 <a:tc>
                   <a:txBody>
                     <a:bodyPr/>
@@ -6389,13 +6370,13 @@
                         </a:spcAft>
                       </a:pPr>
                       <a:r>
-                        <a:rPr lang="en-GB" sz="1400" b="1" dirty="0">
+                        <a:rPr lang="en-ZA" sz="1400" b="1" dirty="0">
                           <a:effectLst/>
                           <a:latin typeface="Arial" panose="020B0604020202020204" pitchFamily="34" charset="0"/>
                           <a:ea typeface="Times New Roman" panose="02020603050405020304" pitchFamily="18" charset="0"/>
                           <a:cs typeface="Arial" panose="020B0604020202020204" pitchFamily="34" charset="0"/>
                         </a:rPr>
-                        <a:t>Steps Implemented</a:t>
+                        <a:t>Detail</a:t>
                       </a:r>
                       <a:endParaRPr lang="en-ZA" sz="1100" dirty="0">
                         <a:effectLst/>
@@ -6456,15 +6437,15 @@
                         </a:spcAft>
                       </a:pPr>
                       <a:r>
-                        <a:rPr lang="en-GB" sz="1400" b="1">
+                        <a:rPr lang="en-GB" sz="1400" b="1" dirty="0">
                           <a:effectLst/>
                           <a:latin typeface="Arial" panose="020B0604020202020204" pitchFamily="34" charset="0"/>
                           <a:ea typeface="Times New Roman" panose="02020603050405020304" pitchFamily="18" charset="0"/>
                           <a:cs typeface="Arial" panose="020B0604020202020204" pitchFamily="34" charset="0"/>
                         </a:rPr>
-                        <a:t>Proposed date</a:t>
+                        <a:t>Date</a:t>
                       </a:r>
-                      <a:endParaRPr lang="en-ZA" sz="1100">
+                      <a:endParaRPr lang="en-ZA" sz="1100" dirty="0">
                         <a:effectLst/>
                         <a:latin typeface="Arial" panose="020B0604020202020204" pitchFamily="34" charset="0"/>
                         <a:ea typeface="Times New Roman" panose="02020603050405020304" pitchFamily="18" charset="0"/>
@@ -6499,7 +6480,7 @@
                   </a:ext>
                 </a:extLst>
               </a:tr>
-              <a:tr h="237320">
+              <a:tr h="207012">
                 <a:tc>
                   <a:txBody>
                     <a:bodyPr/>
@@ -6624,7 +6605,7 @@
                   </a:ext>
                 </a:extLst>
               </a:tr>
-              <a:tr h="522749">
+              <a:tr h="455989">
                 <a:tc>
                   <a:txBody>
                     <a:bodyPr/>
@@ -6715,7 +6696,7 @@
                         </a:spcAft>
                       </a:pPr>
                       <a:r>
-                        <a:rPr lang="en-GB" sz="1400">
+                        <a:rPr lang="en-GB" sz="1400" dirty="0">
                           <a:effectLst/>
                           <a:latin typeface="Arial" panose="020B0604020202020204" pitchFamily="34" charset="0"/>
                           <a:ea typeface="Times New Roman" panose="02020603050405020304" pitchFamily="18" charset="0"/>
@@ -6723,7 +6704,7 @@
                         </a:rPr>
                         <a:t>25-02-2019</a:t>
                       </a:r>
-                      <a:endParaRPr lang="en-ZA" sz="1100">
+                      <a:endParaRPr lang="en-ZA" sz="1100" dirty="0">
                         <a:effectLst/>
                         <a:latin typeface="Arial" panose="020B0604020202020204" pitchFamily="34" charset="0"/>
                         <a:ea typeface="Times New Roman" panose="02020603050405020304" pitchFamily="18" charset="0"/>
@@ -6749,7 +6730,7 @@
                   </a:ext>
                 </a:extLst>
               </a:tr>
-              <a:tr h="359926">
+              <a:tr h="313960">
                 <a:tc>
                   <a:txBody>
                     <a:bodyPr/>
@@ -6840,47 +6821,14 @@
                         </a:spcAft>
                       </a:pPr>
                       <a:r>
-                        <a:rPr lang="en-GB" sz="1400" dirty="0">
-                          <a:solidFill>
-                            <a:srgbClr val="FF0000"/>
-                          </a:solidFill>
+                        <a:rPr lang="en-ZA" sz="1400" dirty="0">
                           <a:effectLst/>
                           <a:latin typeface="Arial" panose="020B0604020202020204" pitchFamily="34" charset="0"/>
                           <a:ea typeface="Times New Roman" panose="02020603050405020304" pitchFamily="18" charset="0"/>
                           <a:cs typeface="Arial" panose="020B0604020202020204" pitchFamily="34" charset="0"/>
                         </a:rPr>
-                        <a:t>Complete</a:t>
+                        <a:t>29-05-2019</a:t>
                       </a:r>
-                      <a:r>
-                        <a:rPr lang="en-GB" sz="1400" baseline="0" dirty="0">
-                          <a:solidFill>
-                            <a:srgbClr val="FF0000"/>
-                          </a:solidFill>
-                          <a:effectLst/>
-                          <a:latin typeface="Arial" panose="020B0604020202020204" pitchFamily="34" charset="0"/>
-                          <a:ea typeface="Times New Roman" panose="02020603050405020304" pitchFamily="18" charset="0"/>
-                          <a:cs typeface="Arial" panose="020B0604020202020204" pitchFamily="34" charset="0"/>
-                        </a:rPr>
-                        <a:t> </a:t>
-                      </a:r>
-                      <a:r>
-                        <a:rPr lang="en-GB" sz="1400" dirty="0">
-                          <a:solidFill>
-                            <a:srgbClr val="FF0000"/>
-                          </a:solidFill>
-                          <a:effectLst/>
-                          <a:latin typeface="Arial" panose="020B0604020202020204" pitchFamily="34" charset="0"/>
-                          <a:ea typeface="Times New Roman" panose="02020603050405020304" pitchFamily="18" charset="0"/>
-                          <a:cs typeface="Arial" panose="020B0604020202020204" pitchFamily="34" charset="0"/>
-                        </a:rPr>
-                        <a:t>dates</a:t>
-                      </a:r>
-                      <a:endParaRPr lang="en-ZA" sz="1100" dirty="0">
-                        <a:effectLst/>
-                        <a:latin typeface="Arial" panose="020B0604020202020204" pitchFamily="34" charset="0"/>
-                        <a:ea typeface="Times New Roman" panose="02020603050405020304" pitchFamily="18" charset="0"/>
-                        <a:cs typeface="Arial" panose="020B0604020202020204" pitchFamily="34" charset="0"/>
-                      </a:endParaRPr>
                     </a:p>
                   </a:txBody>
                   <a:tcPr marL="68580" marR="68580" marT="0" marB="0">
@@ -6901,7 +6849,7 @@
                   </a:ext>
                 </a:extLst>
               </a:tr>
-              <a:tr h="227002">
+              <a:tr h="198012">
                 <a:tc>
                   <a:txBody>
                     <a:bodyPr/>
@@ -6992,23 +6940,14 @@
                         </a:spcAft>
                       </a:pPr>
                       <a:r>
-                        <a:rPr lang="en-GB" sz="1400" dirty="0">
-                          <a:solidFill>
-                            <a:srgbClr val="FF0000"/>
-                          </a:solidFill>
+                        <a:rPr lang="en-ZA" sz="1400" dirty="0">
                           <a:effectLst/>
                           <a:latin typeface="Arial" panose="020B0604020202020204" pitchFamily="34" charset="0"/>
                           <a:ea typeface="Times New Roman" panose="02020603050405020304" pitchFamily="18" charset="0"/>
                           <a:cs typeface="Arial" panose="020B0604020202020204" pitchFamily="34" charset="0"/>
                         </a:rPr>
-                        <a:t>Complete dates</a:t>
+                        <a:t>29-05-2019</a:t>
                       </a:r>
-                      <a:endParaRPr lang="en-ZA" sz="1100" dirty="0">
-                        <a:effectLst/>
-                        <a:latin typeface="Arial" panose="020B0604020202020204" pitchFamily="34" charset="0"/>
-                        <a:ea typeface="Times New Roman" panose="02020603050405020304" pitchFamily="18" charset="0"/>
-                        <a:cs typeface="Arial" panose="020B0604020202020204" pitchFamily="34" charset="0"/>
-                      </a:endParaRPr>
                     </a:p>
                   </a:txBody>
                   <a:tcPr marL="68580" marR="68580" marT="0" marB="0">
@@ -7029,7 +6968,7 @@
                   </a:ext>
                 </a:extLst>
               </a:tr>
-              <a:tr h="831640">
+              <a:tr h="725430">
                 <a:tc>
                   <a:txBody>
                     <a:bodyPr/>
@@ -7143,32 +7082,57 @@
                     <a:bodyPr/>
                     <a:lstStyle/>
                     <a:p>
-                      <a:pPr>
+                      <a:pPr marL="0" marR="0" lvl="0" indent="0" algn="l" defTabSz="457200" rtl="0" eaLnBrk="1" fontAlgn="auto" latinLnBrk="0" hangingPunct="1">
                         <a:lnSpc>
                           <a:spcPct val="110000"/>
                         </a:lnSpc>
+                        <a:spcBef>
+                          <a:spcPts val="0"/>
+                        </a:spcBef>
                         <a:spcAft>
                           <a:spcPts val="0"/>
                         </a:spcAft>
+                        <a:buClrTx/>
+                        <a:buSzTx/>
+                        <a:buFontTx/>
+                        <a:buNone/>
+                        <a:tabLst/>
+                        <a:defRPr/>
+                      </a:pPr>
+                      <a:endParaRPr lang="en-ZA" sz="1400" dirty="0">
+                        <a:effectLst/>
+                        <a:latin typeface="Arial" panose="020B0604020202020204" pitchFamily="34" charset="0"/>
+                        <a:ea typeface="Times New Roman" panose="02020603050405020304" pitchFamily="18" charset="0"/>
+                        <a:cs typeface="Arial" panose="020B0604020202020204" pitchFamily="34" charset="0"/>
+                      </a:endParaRPr>
+                    </a:p>
+                    <a:p>
+                      <a:pPr marL="0" marR="0" lvl="0" indent="0" algn="l" defTabSz="457200" rtl="0" eaLnBrk="1" fontAlgn="auto" latinLnBrk="0" hangingPunct="1">
+                        <a:lnSpc>
+                          <a:spcPct val="110000"/>
+                        </a:lnSpc>
+                        <a:spcBef>
+                          <a:spcPts val="0"/>
+                        </a:spcBef>
+                        <a:spcAft>
+                          <a:spcPts val="0"/>
+                        </a:spcAft>
+                        <a:buClrTx/>
+                        <a:buSzTx/>
+                        <a:buFontTx/>
+                        <a:buNone/>
+                        <a:tabLst/>
+                        <a:defRPr/>
                       </a:pPr>
                       <a:r>
-                        <a:rPr lang="en-GB" sz="1400">
-                          <a:solidFill>
-                            <a:srgbClr val="FF0000"/>
-                          </a:solidFill>
+                        <a:rPr lang="en-ZA" sz="1400" dirty="0">
                           <a:effectLst/>
                           <a:latin typeface="Arial" panose="020B0604020202020204" pitchFamily="34" charset="0"/>
                           <a:ea typeface="Times New Roman" panose="02020603050405020304" pitchFamily="18" charset="0"/>
                           <a:cs typeface="Arial" panose="020B0604020202020204" pitchFamily="34" charset="0"/>
                         </a:rPr>
-                        <a:t>Complete dates</a:t>
+                        <a:t>29-05-2019</a:t>
                       </a:r>
-                      <a:endParaRPr lang="en-ZA" sz="1100">
-                        <a:effectLst/>
-                        <a:latin typeface="Arial" panose="020B0604020202020204" pitchFamily="34" charset="0"/>
-                        <a:ea typeface="Times New Roman" panose="02020603050405020304" pitchFamily="18" charset="0"/>
-                        <a:cs typeface="Arial" panose="020B0604020202020204" pitchFamily="34" charset="0"/>
-                      </a:endParaRPr>
                     </a:p>
                   </a:txBody>
                   <a:tcPr marL="68580" marR="68580" marT="0" marB="0">
@@ -7189,7 +7153,7 @@
                   </a:ext>
                 </a:extLst>
               </a:tr>
-              <a:tr h="802630">
+              <a:tr h="700126">
                 <a:tc>
                   <a:txBody>
                     <a:bodyPr/>
@@ -7366,23 +7330,14 @@
                         </a:spcAft>
                       </a:pPr>
                       <a:r>
-                        <a:rPr lang="en-GB" sz="1400" dirty="0">
-                          <a:solidFill>
-                            <a:srgbClr val="FF0000"/>
-                          </a:solidFill>
+                        <a:rPr lang="en-ZA" sz="1400" dirty="0">
                           <a:effectLst/>
                           <a:latin typeface="Arial" panose="020B0604020202020204" pitchFamily="34" charset="0"/>
                           <a:ea typeface="Times New Roman" panose="02020603050405020304" pitchFamily="18" charset="0"/>
                           <a:cs typeface="Arial" panose="020B0604020202020204" pitchFamily="34" charset="0"/>
                         </a:rPr>
-                        <a:t>Complete dates</a:t>
+                        <a:t>2018-10-25</a:t>
                       </a:r>
-                      <a:endParaRPr lang="en-ZA" sz="1100" dirty="0">
-                        <a:effectLst/>
-                        <a:latin typeface="Arial" panose="020B0604020202020204" pitchFamily="34" charset="0"/>
-                        <a:ea typeface="Times New Roman" panose="02020603050405020304" pitchFamily="18" charset="0"/>
-                        <a:cs typeface="Arial" panose="020B0604020202020204" pitchFamily="34" charset="0"/>
-                      </a:endParaRPr>
                     </a:p>
                   </a:txBody>
                   <a:tcPr marL="68580" marR="68580" marT="0" marB="0">
@@ -7403,7 +7358,7 @@
                   </a:ext>
                 </a:extLst>
               </a:tr>
-              <a:tr h="893697">
+              <a:tr h="838969">
                 <a:tc>
                   <a:txBody>
                     <a:bodyPr/>
@@ -7470,7 +7425,52 @@
                           <a:ea typeface="Times New Roman" panose="02020603050405020304" pitchFamily="18" charset="0"/>
                           <a:cs typeface="Arial" panose="020B0604020202020204" pitchFamily="34" charset="0"/>
                         </a:rPr>
-                        <a:t>Database</a:t>
+                        <a:t>Database (Firebase/MySQL)</a:t>
+                      </a:r>
+                      <a:endParaRPr lang="en-ZA" sz="1800" b="1" dirty="0">
+                        <a:effectLst/>
+                        <a:latin typeface="Arial" panose="020B0604020202020204" pitchFamily="34" charset="0"/>
+                        <a:ea typeface="Times New Roman" panose="02020603050405020304" pitchFamily="18" charset="0"/>
+                        <a:cs typeface="Arial" panose="020B0604020202020204" pitchFamily="34" charset="0"/>
+                      </a:endParaRPr>
+                    </a:p>
+                    <a:p>
+                      <a:pPr marL="342900" lvl="0" indent="-342900" algn="l">
+                        <a:spcAft>
+                          <a:spcPts val="0"/>
+                        </a:spcAft>
+                        <a:buFont typeface="Symbol" panose="05050102010706020507" pitchFamily="18" charset="2"/>
+                        <a:buChar char=""/>
+                        <a:tabLst>
+                          <a:tab pos="228600" algn="l"/>
+                        </a:tabLst>
+                      </a:pPr>
+                      <a:r>
+                        <a:rPr lang="en-ZA" sz="1200" b="0" dirty="0">
+                          <a:effectLst/>
+                          <a:latin typeface="Arial" panose="020B0604020202020204" pitchFamily="34" charset="0"/>
+                          <a:ea typeface="Times New Roman" panose="02020603050405020304" pitchFamily="18" charset="0"/>
+                          <a:cs typeface="Arial" panose="020B0604020202020204" pitchFamily="34" charset="0"/>
+                        </a:rPr>
+                        <a:t>Back end setup (Node.js/</a:t>
+                      </a:r>
+                      <a:r>
+                        <a:rPr lang="en-ZA" sz="1200" b="0" dirty="0" err="1">
+                          <a:effectLst/>
+                          <a:latin typeface="Arial" panose="020B0604020202020204" pitchFamily="34" charset="0"/>
+                          <a:ea typeface="Times New Roman" panose="02020603050405020304" pitchFamily="18" charset="0"/>
+                          <a:cs typeface="Arial" panose="020B0604020202020204" pitchFamily="34" charset="0"/>
+                        </a:rPr>
+                        <a:t>PhP</a:t>
+                      </a:r>
+                      <a:r>
+                        <a:rPr lang="en-ZA" sz="1200" b="0" dirty="0">
+                          <a:effectLst/>
+                          <a:latin typeface="Arial" panose="020B0604020202020204" pitchFamily="34" charset="0"/>
+                          <a:ea typeface="Times New Roman" panose="02020603050405020304" pitchFamily="18" charset="0"/>
+                          <a:cs typeface="Arial" panose="020B0604020202020204" pitchFamily="34" charset="0"/>
+                        </a:rPr>
+                        <a:t>/Python)</a:t>
                       </a:r>
                       <a:endParaRPr lang="en-ZA" sz="1800" b="1" dirty="0">
                         <a:effectLst/>
@@ -7497,7 +7497,7 @@
                           <a:ea typeface="Times New Roman" panose="02020603050405020304" pitchFamily="18" charset="0"/>
                           <a:cs typeface="Arial" panose="020B0604020202020204" pitchFamily="34" charset="0"/>
                         </a:rPr>
-                        <a:t>Custom-built software</a:t>
+                        <a:t>Web interface set up</a:t>
                       </a:r>
                       <a:endParaRPr lang="en-ZA" sz="1800" b="1" dirty="0">
                         <a:effectLst/>
@@ -7524,61 +7524,9 @@
                           <a:ea typeface="Times New Roman" panose="02020603050405020304" pitchFamily="18" charset="0"/>
                           <a:cs typeface="Arial" panose="020B0604020202020204" pitchFamily="34" charset="0"/>
                         </a:rPr>
-                        <a:t>User Interfaces (Windows or Web)</a:t>
+                        <a:t>Testing</a:t>
                       </a:r>
                       <a:endParaRPr lang="en-ZA" sz="1800" b="1" dirty="0">
-                        <a:effectLst/>
-                        <a:latin typeface="Arial" panose="020B0604020202020204" pitchFamily="34" charset="0"/>
-                        <a:ea typeface="Times New Roman" panose="02020603050405020304" pitchFamily="18" charset="0"/>
-                        <a:cs typeface="Arial" panose="020B0604020202020204" pitchFamily="34" charset="0"/>
-                      </a:endParaRPr>
-                    </a:p>
-                    <a:p>
-                      <a:pPr marL="342900" lvl="0" indent="-342900" algn="l">
-                        <a:spcAft>
-                          <a:spcPts val="0"/>
-                        </a:spcAft>
-                        <a:buFont typeface="Symbol" panose="05050102010706020507" pitchFamily="18" charset="2"/>
-                        <a:buChar char=""/>
-                        <a:tabLst>
-                          <a:tab pos="228600" algn="l"/>
-                        </a:tabLst>
-                      </a:pPr>
-                      <a:r>
-                        <a:rPr lang="en-GB" sz="1200" b="0" dirty="0">
-                          <a:effectLst/>
-                          <a:latin typeface="Arial" panose="020B0604020202020204" pitchFamily="34" charset="0"/>
-                          <a:ea typeface="Times New Roman" panose="02020603050405020304" pitchFamily="18" charset="0"/>
-                          <a:cs typeface="Arial" panose="020B0604020202020204" pitchFamily="34" charset="0"/>
-                        </a:rPr>
-                        <a:t>Test plan</a:t>
-                      </a:r>
-                      <a:endParaRPr lang="en-ZA" sz="1800" b="1" dirty="0">
-                        <a:effectLst/>
-                        <a:latin typeface="Arial" panose="020B0604020202020204" pitchFamily="34" charset="0"/>
-                        <a:ea typeface="Times New Roman" panose="02020603050405020304" pitchFamily="18" charset="0"/>
-                        <a:cs typeface="Arial" panose="020B0604020202020204" pitchFamily="34" charset="0"/>
-                      </a:endParaRPr>
-                    </a:p>
-                    <a:p>
-                      <a:pPr>
-                        <a:lnSpc>
-                          <a:spcPct val="115000"/>
-                        </a:lnSpc>
-                        <a:spcAft>
-                          <a:spcPts val="0"/>
-                        </a:spcAft>
-                      </a:pPr>
-                      <a:r>
-                        <a:rPr lang="en-GB" sz="1200" dirty="0">
-                          <a:effectLst/>
-                          <a:latin typeface="Arial" panose="020B0604020202020204" pitchFamily="34" charset="0"/>
-                          <a:ea typeface="Times New Roman" panose="02020603050405020304" pitchFamily="18" charset="0"/>
-                          <a:cs typeface="Arial" panose="020B0604020202020204" pitchFamily="34" charset="0"/>
-                        </a:rPr>
-                        <a:t> </a:t>
-                      </a:r>
-                      <a:endParaRPr lang="en-ZA" sz="1050" dirty="0">
                         <a:effectLst/>
                         <a:latin typeface="Arial" panose="020B0604020202020204" pitchFamily="34" charset="0"/>
                         <a:ea typeface="Times New Roman" panose="02020603050405020304" pitchFamily="18" charset="0"/>
@@ -7602,23 +7550,14 @@
                         </a:spcAft>
                       </a:pPr>
                       <a:r>
-                        <a:rPr lang="en-GB" sz="1400" dirty="0">
-                          <a:solidFill>
-                            <a:srgbClr val="FF0000"/>
-                          </a:solidFill>
+                        <a:rPr lang="en-ZA" sz="1400" dirty="0">
                           <a:effectLst/>
                           <a:latin typeface="Arial" panose="020B0604020202020204" pitchFamily="34" charset="0"/>
                           <a:ea typeface="Times New Roman" panose="02020603050405020304" pitchFamily="18" charset="0"/>
                           <a:cs typeface="Arial" panose="020B0604020202020204" pitchFamily="34" charset="0"/>
                         </a:rPr>
-                        <a:t>Complete dates</a:t>
+                        <a:t>2018-10-25</a:t>
                       </a:r>
-                      <a:endParaRPr lang="en-ZA" sz="1100" dirty="0">
-                        <a:effectLst/>
-                        <a:latin typeface="Arial" panose="020B0604020202020204" pitchFamily="34" charset="0"/>
-                        <a:ea typeface="Times New Roman" panose="02020603050405020304" pitchFamily="18" charset="0"/>
-                        <a:cs typeface="Arial" panose="020B0604020202020204" pitchFamily="34" charset="0"/>
-                      </a:endParaRPr>
                     </a:p>
                   </a:txBody>
                   <a:tcPr marL="68580" marR="68580" marT="0" marB="0">
@@ -7639,7 +7578,7 @@
                   </a:ext>
                 </a:extLst>
               </a:tr>
-              <a:tr h="996035">
+              <a:tr h="868830">
                 <a:tc>
                   <a:txBody>
                     <a:bodyPr/>
@@ -7805,31 +7744,6 @@
                         <a:cs typeface="Arial" panose="020B0604020202020204" pitchFamily="34" charset="0"/>
                       </a:endParaRPr>
                     </a:p>
-                    <a:p>
-                      <a:pPr>
-                        <a:lnSpc>
-                          <a:spcPct val="115000"/>
-                        </a:lnSpc>
-                        <a:spcAft>
-                          <a:spcPts val="0"/>
-                        </a:spcAft>
-                      </a:pPr>
-                      <a:r>
-                        <a:rPr lang="en-GB" sz="1200" dirty="0">
-                          <a:effectLst/>
-                          <a:latin typeface="Arial" panose="020B0604020202020204" pitchFamily="34" charset="0"/>
-                          <a:ea typeface="Times New Roman" panose="02020603050405020304" pitchFamily="18" charset="0"/>
-                          <a:cs typeface="Arial" panose="020B0604020202020204" pitchFamily="34" charset="0"/>
-                        </a:rPr>
-                        <a:t> </a:t>
-                      </a:r>
-                      <a:endParaRPr lang="en-ZA" sz="1050" dirty="0">
-                        <a:effectLst/>
-                        <a:latin typeface="Arial" panose="020B0604020202020204" pitchFamily="34" charset="0"/>
-                        <a:ea typeface="Times New Roman" panose="02020603050405020304" pitchFamily="18" charset="0"/>
-                        <a:cs typeface="Arial" panose="020B0604020202020204" pitchFamily="34" charset="0"/>
-                      </a:endParaRPr>
-                    </a:p>
                   </a:txBody>
                   <a:tcPr marL="68580" marR="68580" marT="0" marB="0">
                     <a:lnB w="12700" cap="flat" cmpd="sng" algn="ctr">
@@ -7857,23 +7771,14 @@
                         </a:spcAft>
                       </a:pPr>
                       <a:r>
-                        <a:rPr lang="en-GB" sz="1400" dirty="0">
-                          <a:solidFill>
-                            <a:srgbClr val="FF0000"/>
-                          </a:solidFill>
+                        <a:rPr lang="en-ZA" sz="1400" dirty="0">
                           <a:effectLst/>
                           <a:latin typeface="Arial" panose="020B0604020202020204" pitchFamily="34" charset="0"/>
                           <a:ea typeface="Times New Roman" panose="02020603050405020304" pitchFamily="18" charset="0"/>
                           <a:cs typeface="Arial" panose="020B0604020202020204" pitchFamily="34" charset="0"/>
                         </a:rPr>
-                        <a:t>Complete dates</a:t>
+                        <a:t>2018-10-25</a:t>
                       </a:r>
-                      <a:endParaRPr lang="en-ZA" sz="1100" dirty="0">
-                        <a:effectLst/>
-                        <a:latin typeface="Arial" panose="020B0604020202020204" pitchFamily="34" charset="0"/>
-                        <a:ea typeface="Times New Roman" panose="02020603050405020304" pitchFamily="18" charset="0"/>
-                        <a:cs typeface="Arial" panose="020B0604020202020204" pitchFamily="34" charset="0"/>
-                      </a:endParaRPr>
                     </a:p>
                   </a:txBody>
                   <a:tcPr marL="68580" marR="68580" marT="0" marB="0">
